--- a/Makalfo_Deep_Neural_Network.pptx
+++ b/Makalfo_Deep_Neural_Network.pptx
@@ -10,22 +10,16 @@
     <p:sldId id="278" r:id="rId4"/>
     <p:sldId id="260" r:id="rId5"/>
     <p:sldId id="275" r:id="rId6"/>
-    <p:sldId id="277" r:id="rId7"/>
-    <p:sldId id="276" r:id="rId8"/>
-    <p:sldId id="261" r:id="rId9"/>
-    <p:sldId id="262" r:id="rId10"/>
-    <p:sldId id="259" r:id="rId11"/>
-    <p:sldId id="263" r:id="rId12"/>
-    <p:sldId id="265" r:id="rId13"/>
-    <p:sldId id="266" r:id="rId14"/>
-    <p:sldId id="267" r:id="rId15"/>
-    <p:sldId id="268" r:id="rId16"/>
-    <p:sldId id="269" r:id="rId17"/>
-    <p:sldId id="273" r:id="rId18"/>
-    <p:sldId id="274" r:id="rId19"/>
-    <p:sldId id="270" r:id="rId20"/>
-    <p:sldId id="258" r:id="rId21"/>
-    <p:sldId id="272" r:id="rId22"/>
+    <p:sldId id="280" r:id="rId7"/>
+    <p:sldId id="279" r:id="rId8"/>
+    <p:sldId id="276" r:id="rId9"/>
+    <p:sldId id="288" r:id="rId10"/>
+    <p:sldId id="284" r:id="rId11"/>
+    <p:sldId id="285" r:id="rId12"/>
+    <p:sldId id="281" r:id="rId13"/>
+    <p:sldId id="286" r:id="rId14"/>
+    <p:sldId id="287" r:id="rId15"/>
+    <p:sldId id="283" r:id="rId16"/>
   </p:sldIdLst>
   <p:sldSz cx="12192000" cy="6858000"/>
   <p:notesSz cx="6858000" cy="9144000"/>
@@ -5969,7 +5963,7 @@
           <p:cNvPr id="2" name="Title 1">
             <a:extLst>
               <a:ext uri="{FF2B5EF4-FFF2-40B4-BE49-F238E27FC236}">
-                <a16:creationId xmlns:a16="http://schemas.microsoft.com/office/drawing/2014/main" id="{7F9B6BB5-6B84-4926-9C94-8FDA38BB7BCD}"/>
+                <a16:creationId xmlns:a16="http://schemas.microsoft.com/office/drawing/2014/main" id="{9D955803-B7B9-427A-B256-2D11049694B9}"/>
               </a:ext>
             </a:extLst>
           </p:cNvPr>
@@ -5987,192 +5981,369 @@
           <a:p>
             <a:r>
               <a:rPr lang="en-US" dirty="0"/>
-              <a:t>Technical Approach</a:t>
-            </a:r>
-          </a:p>
-        </p:txBody>
-      </p:sp>
-      <p:sp>
-        <p:nvSpPr>
-          <p:cNvPr id="4" name="Content Placeholder 2">
-            <a:extLst>
-              <a:ext uri="{FF2B5EF4-FFF2-40B4-BE49-F238E27FC236}">
-                <a16:creationId xmlns:a16="http://schemas.microsoft.com/office/drawing/2014/main" id="{E35E5435-B1E0-4860-A275-C36524616CA9}"/>
-              </a:ext>
-            </a:extLst>
-          </p:cNvPr>
-          <p:cNvSpPr>
-            <a:spLocks noGrp="1"/>
-          </p:cNvSpPr>
-          <p:nvPr>
-            <p:ph idx="1"/>
-          </p:nvPr>
-        </p:nvSpPr>
-        <p:spPr>
-          <a:xfrm>
-            <a:off x="677334" y="1838131"/>
-            <a:ext cx="8596668" cy="4203231"/>
-          </a:xfrm>
-        </p:spPr>
-        <p:txBody>
-          <a:bodyPr>
-            <a:normAutofit/>
-          </a:bodyPr>
-          <a:lstStyle/>
-          <a:p>
-            <a:r>
-              <a:rPr lang="en-US" sz="2200" dirty="0"/>
-              <a:t>Implemented the RNNs as Long short-term memory (LSTM) networks to save</a:t>
-            </a:r>
-            <a:r>
-              <a:rPr lang="en-US" sz="2000" dirty="0"/>
-              <a:t> partial memory of each event</a:t>
-            </a:r>
-          </a:p>
-          <a:p>
-            <a:pPr lvl="1"/>
-            <a:r>
-              <a:rPr lang="en-US" sz="1800" dirty="0"/>
-              <a:t>In the framework, the input and output of the autoencoder are temporally marked events in sliding window</a:t>
-            </a:r>
-          </a:p>
-          <a:p>
-            <a:endParaRPr lang="en-US" sz="2000" dirty="0"/>
-          </a:p>
-        </p:txBody>
-      </p:sp>
-      <p:pic>
-        <p:nvPicPr>
-          <p:cNvPr id="11" name="Picture 10">
-            <a:extLst>
-              <a:ext uri="{FF2B5EF4-FFF2-40B4-BE49-F238E27FC236}">
-                <a16:creationId xmlns:a16="http://schemas.microsoft.com/office/drawing/2014/main" id="{D250C3E8-EB25-4BBB-9EAE-F8E3D5967E67}"/>
-              </a:ext>
-            </a:extLst>
-          </p:cNvPr>
-          <p:cNvPicPr>
-            <a:picLocks noChangeAspect="1"/>
-          </p:cNvPicPr>
-          <p:nvPr/>
-        </p:nvPicPr>
-        <p:blipFill rotWithShape="1">
-          <a:blip r:embed="rId2"/>
-          <a:srcRect b="12590"/>
-          <a:stretch/>
-        </p:blipFill>
-        <p:spPr>
-          <a:xfrm>
-            <a:off x="420829" y="4141371"/>
-            <a:ext cx="4704977" cy="1572459"/>
-          </a:xfrm>
-          <a:prstGeom prst="rect">
-            <a:avLst/>
-          </a:prstGeom>
-        </p:spPr>
-      </p:pic>
-      <p:pic>
-        <p:nvPicPr>
-          <p:cNvPr id="5" name="Picture 4">
-            <a:extLst>
-              <a:ext uri="{FF2B5EF4-FFF2-40B4-BE49-F238E27FC236}">
-                <a16:creationId xmlns:a16="http://schemas.microsoft.com/office/drawing/2014/main" id="{9502EBAC-2B02-4BD0-80FF-4C0DC78ABF3C}"/>
-              </a:ext>
-            </a:extLst>
-          </p:cNvPr>
-          <p:cNvPicPr>
-            <a:picLocks noChangeAspect="1"/>
-          </p:cNvPicPr>
-          <p:nvPr/>
-        </p:nvPicPr>
-        <p:blipFill rotWithShape="1">
-          <a:blip r:embed="rId3"/>
-          <a:srcRect r="4331" b="2256"/>
-          <a:stretch/>
-        </p:blipFill>
-        <p:spPr>
-          <a:xfrm>
-            <a:off x="5876594" y="3607278"/>
-            <a:ext cx="3149960" cy="2181126"/>
-          </a:xfrm>
-          <a:prstGeom prst="rect">
-            <a:avLst/>
-          </a:prstGeom>
-        </p:spPr>
-      </p:pic>
-      <p:sp>
-        <p:nvSpPr>
-          <p:cNvPr id="3" name="TextBox 2">
-            <a:extLst>
-              <a:ext uri="{FF2B5EF4-FFF2-40B4-BE49-F238E27FC236}">
-                <a16:creationId xmlns:a16="http://schemas.microsoft.com/office/drawing/2014/main" id="{D656AC2D-27FF-408B-B639-410962ADE3FC}"/>
-              </a:ext>
-            </a:extLst>
-          </p:cNvPr>
-          <p:cNvSpPr txBox="1"/>
-          <p:nvPr/>
-        </p:nvSpPr>
-        <p:spPr>
-          <a:xfrm>
-            <a:off x="6560191" y="5718405"/>
-            <a:ext cx="2325445" cy="307777"/>
-          </a:xfrm>
-          <a:prstGeom prst="rect">
-            <a:avLst/>
-          </a:prstGeom>
-          <a:noFill/>
-        </p:spPr>
-        <p:txBody>
-          <a:bodyPr wrap="none" rtlCol="0">
-            <a:spAutoFit/>
-          </a:bodyPr>
-          <a:lstStyle/>
-          <a:p>
-            <a:r>
-              <a:rPr lang="en-US" sz="1400" dirty="0"/>
-              <a:t>Sliding Window Mechanism</a:t>
-            </a:r>
-          </a:p>
-        </p:txBody>
-      </p:sp>
-      <p:sp>
-        <p:nvSpPr>
-          <p:cNvPr id="7" name="TextBox 6">
-            <a:extLst>
-              <a:ext uri="{FF2B5EF4-FFF2-40B4-BE49-F238E27FC236}">
-                <a16:creationId xmlns:a16="http://schemas.microsoft.com/office/drawing/2014/main" id="{E7CBCE7F-508A-48F5-8256-7C5DE07645D1}"/>
-              </a:ext>
-            </a:extLst>
-          </p:cNvPr>
-          <p:cNvSpPr txBox="1"/>
-          <p:nvPr/>
-        </p:nvSpPr>
-        <p:spPr>
-          <a:xfrm>
-            <a:off x="1843778" y="5743462"/>
-            <a:ext cx="2035044" cy="307777"/>
-          </a:xfrm>
-          <a:prstGeom prst="rect">
-            <a:avLst/>
-          </a:prstGeom>
-          <a:noFill/>
-        </p:spPr>
-        <p:txBody>
-          <a:bodyPr wrap="none" rtlCol="0">
-            <a:spAutoFit/>
-          </a:bodyPr>
-          <a:lstStyle/>
-          <a:p>
-            <a:r>
-              <a:rPr lang="en-US" sz="1400" dirty="0"/>
-              <a:t>Recurrent Autoencoder</a:t>
-            </a:r>
-          </a:p>
-        </p:txBody>
-      </p:sp>
+              <a:t>Design </a:t>
+            </a:r>
+            <a:r>
+              <a:rPr lang="en-US" dirty="0" err="1"/>
+              <a:t>Decition</a:t>
+            </a:r>
+            <a:r>
+              <a:rPr lang="en-US" dirty="0"/>
+              <a:t> – </a:t>
+            </a:r>
+            <a:r>
+              <a:rPr lang="en-US" dirty="0" err="1"/>
+              <a:t>Softmax</a:t>
+            </a:r>
+            <a:r>
+              <a:rPr lang="en-US" dirty="0"/>
+              <a:t> Activation Function</a:t>
+            </a:r>
+          </a:p>
+        </p:txBody>
+      </p:sp>
+      <mc:AlternateContent xmlns:mc="http://schemas.openxmlformats.org/markup-compatibility/2006">
+        <mc:Choice xmlns:a14="http://schemas.microsoft.com/office/drawing/2010/main" Requires="a14">
+          <p:sp>
+            <p:nvSpPr>
+              <p:cNvPr id="3" name="Content Placeholder 2">
+                <a:extLst>
+                  <a:ext uri="{FF2B5EF4-FFF2-40B4-BE49-F238E27FC236}">
+                    <a16:creationId xmlns:a16="http://schemas.microsoft.com/office/drawing/2014/main" id="{659C99D8-C9BE-49FD-83A0-034246C22788}"/>
+                  </a:ext>
+                </a:extLst>
+              </p:cNvPr>
+              <p:cNvSpPr>
+                <a:spLocks noGrp="1"/>
+              </p:cNvSpPr>
+              <p:nvPr>
+                <p:ph idx="1"/>
+              </p:nvPr>
+            </p:nvSpPr>
+            <p:spPr>
+              <a:xfrm>
+                <a:off x="677333" y="1735494"/>
+                <a:ext cx="9306421" cy="4758611"/>
+              </a:xfrm>
+            </p:spPr>
+            <p:txBody>
+              <a:bodyPr>
+                <a:normAutofit/>
+              </a:bodyPr>
+              <a:lstStyle/>
+              <a:p>
+                <a:r>
+                  <a:rPr lang="en-US" sz="2400" dirty="0"/>
+                  <a:t>The </a:t>
+                </a:r>
+                <a:r>
+                  <a:rPr lang="en-US" sz="2400" dirty="0" err="1"/>
+                  <a:t>Softmax</a:t>
+                </a:r>
+                <a:r>
+                  <a:rPr lang="en-US" sz="2400" dirty="0"/>
+                  <a:t> Activation Function is used for the output layer in multinomial probability distributions such as multi-class classification</a:t>
+                </a:r>
+              </a:p>
+              <a:p>
+                <a:pPr marL="0" indent="0">
+                  <a:buNone/>
+                </a:pPr>
+                <a14:m>
+                  <m:oMathPara xmlns:m="http://schemas.openxmlformats.org/officeDocument/2006/math">
+                    <m:oMathParaPr>
+                      <m:jc m:val="centerGroup"/>
+                    </m:oMathParaPr>
+                    <m:oMath xmlns:m="http://schemas.openxmlformats.org/officeDocument/2006/math">
+                      <m:r>
+                        <a:rPr lang="en-US" sz="2400" i="1">
+                          <a:latin typeface="Cambria Math" panose="02040503050406030204" pitchFamily="18" charset="0"/>
+                          <a:ea typeface="Cambria Math" panose="02040503050406030204" pitchFamily="18" charset="0"/>
+                        </a:rPr>
+                        <m:t>𝜎</m:t>
+                      </m:r>
+                      <m:sSub>
+                        <m:sSubPr>
+                          <m:ctrlPr>
+                            <a:rPr lang="en-US" sz="2400" i="1">
+                              <a:latin typeface="Cambria Math" panose="02040503050406030204" pitchFamily="18" charset="0"/>
+                              <a:ea typeface="Cambria Math" panose="02040503050406030204" pitchFamily="18" charset="0"/>
+                            </a:rPr>
+                          </m:ctrlPr>
+                        </m:sSubPr>
+                        <m:e>
+                          <m:d>
+                            <m:dPr>
+                              <m:ctrlPr>
+                                <a:rPr lang="en-US" sz="2400" i="1">
+                                  <a:latin typeface="Cambria Math" panose="02040503050406030204" pitchFamily="18" charset="0"/>
+                                  <a:ea typeface="Cambria Math" panose="02040503050406030204" pitchFamily="18" charset="0"/>
+                                </a:rPr>
+                              </m:ctrlPr>
+                            </m:dPr>
+                            <m:e>
+                              <m:r>
+                                <a:rPr lang="en-US" sz="2400" i="1">
+                                  <a:latin typeface="Cambria Math" panose="02040503050406030204" pitchFamily="18" charset="0"/>
+                                  <a:ea typeface="Cambria Math" panose="02040503050406030204" pitchFamily="18" charset="0"/>
+                                </a:rPr>
+                                <m:t>𝑧</m:t>
+                              </m:r>
+                            </m:e>
+                          </m:d>
+                        </m:e>
+                        <m:sub>
+                          <m:r>
+                            <a:rPr lang="en-US" sz="2400" i="1">
+                              <a:latin typeface="Cambria Math" panose="02040503050406030204" pitchFamily="18" charset="0"/>
+                              <a:ea typeface="Cambria Math" panose="02040503050406030204" pitchFamily="18" charset="0"/>
+                            </a:rPr>
+                            <m:t>𝑖</m:t>
+                          </m:r>
+                        </m:sub>
+                      </m:sSub>
+                      <m:r>
+                        <a:rPr lang="en-US" sz="2400" i="1">
+                          <a:latin typeface="Cambria Math" panose="02040503050406030204" pitchFamily="18" charset="0"/>
+                          <a:ea typeface="Cambria Math" panose="02040503050406030204" pitchFamily="18" charset="0"/>
+                        </a:rPr>
+                        <m:t>= </m:t>
+                      </m:r>
+                      <m:f>
+                        <m:fPr>
+                          <m:ctrlPr>
+                            <a:rPr lang="en-US" sz="2400" i="1">
+                              <a:latin typeface="Cambria Math" panose="02040503050406030204" pitchFamily="18" charset="0"/>
+                              <a:ea typeface="Cambria Math" panose="02040503050406030204" pitchFamily="18" charset="0"/>
+                            </a:rPr>
+                          </m:ctrlPr>
+                        </m:fPr>
+                        <m:num>
+                          <m:sSup>
+                            <m:sSupPr>
+                              <m:ctrlPr>
+                                <a:rPr lang="en-US" sz="2400" i="1">
+                                  <a:latin typeface="Cambria Math" panose="02040503050406030204" pitchFamily="18" charset="0"/>
+                                  <a:ea typeface="Cambria Math" panose="02040503050406030204" pitchFamily="18" charset="0"/>
+                                </a:rPr>
+                              </m:ctrlPr>
+                            </m:sSupPr>
+                            <m:e>
+                              <m:r>
+                                <a:rPr lang="en-US" sz="2400" i="1">
+                                  <a:latin typeface="Cambria Math" panose="02040503050406030204" pitchFamily="18" charset="0"/>
+                                  <a:ea typeface="Cambria Math" panose="02040503050406030204" pitchFamily="18" charset="0"/>
+                                </a:rPr>
+                                <m:t>𝑒</m:t>
+                              </m:r>
+                            </m:e>
+                            <m:sup>
+                              <m:sSub>
+                                <m:sSubPr>
+                                  <m:ctrlPr>
+                                    <a:rPr lang="en-US" sz="2400" i="1">
+                                      <a:latin typeface="Cambria Math" panose="02040503050406030204" pitchFamily="18" charset="0"/>
+                                      <a:ea typeface="Cambria Math" panose="02040503050406030204" pitchFamily="18" charset="0"/>
+                                    </a:rPr>
+                                  </m:ctrlPr>
+                                </m:sSubPr>
+                                <m:e>
+                                  <m:r>
+                                    <a:rPr lang="en-US" sz="2400" i="1">
+                                      <a:latin typeface="Cambria Math" panose="02040503050406030204" pitchFamily="18" charset="0"/>
+                                      <a:ea typeface="Cambria Math" panose="02040503050406030204" pitchFamily="18" charset="0"/>
+                                    </a:rPr>
+                                    <m:t>𝑧</m:t>
+                                  </m:r>
+                                </m:e>
+                                <m:sub>
+                                  <m:r>
+                                    <a:rPr lang="en-US" sz="2400" i="1">
+                                      <a:latin typeface="Cambria Math" panose="02040503050406030204" pitchFamily="18" charset="0"/>
+                                      <a:ea typeface="Cambria Math" panose="02040503050406030204" pitchFamily="18" charset="0"/>
+                                    </a:rPr>
+                                    <m:t>𝑖</m:t>
+                                  </m:r>
+                                </m:sub>
+                              </m:sSub>
+                            </m:sup>
+                          </m:sSup>
+                        </m:num>
+                        <m:den>
+                          <m:nary>
+                            <m:naryPr>
+                              <m:chr m:val="∑"/>
+                              <m:subHide m:val="on"/>
+                              <m:supHide m:val="on"/>
+                              <m:ctrlPr>
+                                <a:rPr lang="en-US" sz="2400" i="1">
+                                  <a:latin typeface="Cambria Math" panose="02040503050406030204" pitchFamily="18" charset="0"/>
+                                  <a:ea typeface="Cambria Math" panose="02040503050406030204" pitchFamily="18" charset="0"/>
+                                </a:rPr>
+                              </m:ctrlPr>
+                            </m:naryPr>
+                            <m:sub/>
+                            <m:sup/>
+                            <m:e>
+                              <m:sSup>
+                                <m:sSupPr>
+                                  <m:ctrlPr>
+                                    <a:rPr lang="en-US" sz="2400" i="1">
+                                      <a:latin typeface="Cambria Math" panose="02040503050406030204" pitchFamily="18" charset="0"/>
+                                      <a:ea typeface="Cambria Math" panose="02040503050406030204" pitchFamily="18" charset="0"/>
+                                    </a:rPr>
+                                  </m:ctrlPr>
+                                </m:sSupPr>
+                                <m:e>
+                                  <m:r>
+                                    <a:rPr lang="en-US" sz="2400" i="1">
+                                      <a:latin typeface="Cambria Math" panose="02040503050406030204" pitchFamily="18" charset="0"/>
+                                      <a:ea typeface="Cambria Math" panose="02040503050406030204" pitchFamily="18" charset="0"/>
+                                    </a:rPr>
+                                    <m:t>𝑒</m:t>
+                                  </m:r>
+                                </m:e>
+                                <m:sup>
+                                  <m:sSub>
+                                    <m:sSubPr>
+                                      <m:ctrlPr>
+                                        <a:rPr lang="en-US" sz="2400" i="1">
+                                          <a:latin typeface="Cambria Math" panose="02040503050406030204" pitchFamily="18" charset="0"/>
+                                          <a:ea typeface="Cambria Math" panose="02040503050406030204" pitchFamily="18" charset="0"/>
+                                        </a:rPr>
+                                      </m:ctrlPr>
+                                    </m:sSubPr>
+                                    <m:e>
+                                      <m:r>
+                                        <a:rPr lang="en-US" sz="2400" i="1">
+                                          <a:latin typeface="Cambria Math" panose="02040503050406030204" pitchFamily="18" charset="0"/>
+                                          <a:ea typeface="Cambria Math" panose="02040503050406030204" pitchFamily="18" charset="0"/>
+                                        </a:rPr>
+                                        <m:t>𝑧</m:t>
+                                      </m:r>
+                                    </m:e>
+                                    <m:sub>
+                                      <m:r>
+                                        <a:rPr lang="en-US" sz="2400" i="1">
+                                          <a:latin typeface="Cambria Math" panose="02040503050406030204" pitchFamily="18" charset="0"/>
+                                          <a:ea typeface="Cambria Math" panose="02040503050406030204" pitchFamily="18" charset="0"/>
+                                        </a:rPr>
+                                        <m:t>𝑗</m:t>
+                                      </m:r>
+                                    </m:sub>
+                                  </m:sSub>
+                                </m:sup>
+                              </m:sSup>
+                            </m:e>
+                          </m:nary>
+                        </m:den>
+                      </m:f>
+                    </m:oMath>
+                  </m:oMathPara>
+                </a14:m>
+                <a:endParaRPr lang="en-US" sz="2400" dirty="0">
+                  <a:ea typeface="Cambria Math" panose="02040503050406030204" pitchFamily="18" charset="0"/>
+                </a:endParaRPr>
+              </a:p>
+              <a:p>
+                <a:r>
+                  <a:rPr lang="en-US" sz="2200" dirty="0"/>
+                  <a:t>Other activation functions (e.g. </a:t>
+                </a:r>
+                <a:r>
+                  <a:rPr lang="en-US" sz="2200" dirty="0" err="1"/>
+                  <a:t>RelU</a:t>
+                </a:r>
+                <a:r>
+                  <a:rPr lang="en-US" sz="2200" dirty="0"/>
+                  <a:t>, </a:t>
+                </a:r>
+                <a:r>
+                  <a:rPr lang="en-US" sz="2200" dirty="0" err="1"/>
+                  <a:t>TanH</a:t>
+                </a:r>
+                <a:r>
+                  <a:rPr lang="en-US" sz="2200" dirty="0"/>
+                  <a:t>, Hard-Sigmoid) are not viable choices for multi-class classification Neural Networks</a:t>
+                </a:r>
+              </a:p>
+              <a:p>
+                <a:pPr lvl="1"/>
+                <a:r>
+                  <a:rPr lang="en-US" sz="2000" dirty="0"/>
+                  <a:t>Attempts are using discrete activation functions (e.g. Hard-</a:t>
+                </a:r>
+                <a:r>
+                  <a:rPr lang="en-US" sz="2000" dirty="0" err="1"/>
+                  <a:t>TanH</a:t>
+                </a:r>
+                <a:r>
+                  <a:rPr lang="en-US" sz="2000" dirty="0"/>
+                  <a:t>, Hard-Sigmoid, </a:t>
+                </a:r>
+                <a:r>
+                  <a:rPr lang="en-US" sz="2000" dirty="0" err="1"/>
+                  <a:t>RelU</a:t>
+                </a:r>
+                <a:r>
+                  <a:rPr lang="en-US" sz="2000" dirty="0"/>
+                  <a:t>) resulted in low accuracy for the multi-classification model</a:t>
+                </a:r>
+              </a:p>
+              <a:p>
+                <a:endParaRPr lang="en-US" sz="2200" dirty="0"/>
+              </a:p>
+            </p:txBody>
+          </p:sp>
+        </mc:Choice>
+        <mc:Fallback>
+          <p:sp>
+            <p:nvSpPr>
+              <p:cNvPr id="3" name="Content Placeholder 2">
+                <a:extLst>
+                  <a:ext uri="{FF2B5EF4-FFF2-40B4-BE49-F238E27FC236}">
+                    <a16:creationId xmlns:a16="http://schemas.microsoft.com/office/drawing/2014/main" id="{659C99D8-C9BE-49FD-83A0-034246C22788}"/>
+                  </a:ext>
+                </a:extLst>
+              </p:cNvPr>
+              <p:cNvSpPr>
+                <a:spLocks noGrp="1" noRot="1" noChangeAspect="1" noMove="1" noResize="1" noEditPoints="1" noAdjustHandles="1" noChangeArrowheads="1" noChangeShapeType="1" noTextEdit="1"/>
+              </p:cNvSpPr>
+              <p:nvPr>
+                <p:ph idx="1"/>
+              </p:nvPr>
+            </p:nvSpPr>
+            <p:spPr>
+              <a:xfrm>
+                <a:off x="677333" y="1735494"/>
+                <a:ext cx="9306421" cy="4758611"/>
+              </a:xfrm>
+              <a:blipFill>
+                <a:blip r:embed="rId2"/>
+                <a:stretch>
+                  <a:fillRect l="-545" t="-1064" r="-272"/>
+                </a:stretch>
+              </a:blipFill>
+            </p:spPr>
+            <p:txBody>
+              <a:bodyPr/>
+              <a:lstStyle/>
+              <a:p>
+                <a:r>
+                  <a:rPr lang="en-US">
+                    <a:noFill/>
+                  </a:rPr>
+                  <a:t> </a:t>
+                </a:r>
+              </a:p>
+            </p:txBody>
+          </p:sp>
+        </mc:Fallback>
+      </mc:AlternateContent>
     </p:spTree>
     <p:extLst>
       <p:ext uri="{BB962C8B-B14F-4D97-AF65-F5344CB8AC3E}">
-        <p14:creationId xmlns:p14="http://schemas.microsoft.com/office/powerpoint/2010/main" val="2738500600"/>
+        <p14:creationId xmlns:p14="http://schemas.microsoft.com/office/powerpoint/2010/main" val="2998294733"/>
       </p:ext>
     </p:extLst>
   </p:cSld>
@@ -6204,7 +6375,7 @@
           <p:cNvPr id="2" name="Title 1">
             <a:extLst>
               <a:ext uri="{FF2B5EF4-FFF2-40B4-BE49-F238E27FC236}">
-                <a16:creationId xmlns:a16="http://schemas.microsoft.com/office/drawing/2014/main" id="{14017386-FDEC-45FD-85F1-41A35E5181CB}"/>
+                <a16:creationId xmlns:a16="http://schemas.microsoft.com/office/drawing/2014/main" id="{8509DFF7-742A-CC47-816D-D1F68F716D06}"/>
               </a:ext>
             </a:extLst>
           </p:cNvPr>
@@ -6222,295 +6393,106 @@
           <a:p>
             <a:r>
               <a:rPr lang="en-US" dirty="0"/>
-              <a:t>Technical Approach</a:t>
-            </a:r>
-          </a:p>
-        </p:txBody>
-      </p:sp>
-      <mc:AlternateContent xmlns:mc="http://schemas.openxmlformats.org/markup-compatibility/2006" xmlns:a14="http://schemas.microsoft.com/office/drawing/2010/main">
-        <mc:Choice Requires="a14">
-          <p:sp>
-            <p:nvSpPr>
-              <p:cNvPr id="3" name="Content Placeholder 2">
-                <a:extLst>
-                  <a:ext uri="{FF2B5EF4-FFF2-40B4-BE49-F238E27FC236}">
-                    <a16:creationId xmlns:a16="http://schemas.microsoft.com/office/drawing/2014/main" id="{F4B6CD26-462E-4B65-89EA-99B678CCF9C9}"/>
-                  </a:ext>
-                </a:extLst>
-              </p:cNvPr>
-              <p:cNvSpPr>
-                <a:spLocks noGrp="1"/>
-              </p:cNvSpPr>
-              <p:nvPr>
-                <p:ph idx="1"/>
-              </p:nvPr>
-            </p:nvSpPr>
-            <p:spPr>
-              <a:xfrm>
-                <a:off x="798632" y="1535268"/>
-                <a:ext cx="8596668" cy="3880773"/>
-              </a:xfrm>
-            </p:spPr>
-            <p:txBody>
-              <a:bodyPr>
-                <a:normAutofit lnSpcReduction="10000"/>
-              </a:bodyPr>
-              <a:lstStyle/>
-              <a:p>
-                <a:r>
-                  <a:rPr lang="en-US" sz="2000" dirty="0"/>
-                  <a:t>Recurrent Autoencoder Objectives:</a:t>
-                </a:r>
-              </a:p>
-              <a:p>
-                <a:pPr lvl="1"/>
-                <a:r>
-                  <a:rPr lang="en-US" sz="1800" dirty="0"/>
-                  <a:t>Read all events in the sequence</a:t>
-                </a:r>
-              </a:p>
-              <a:p>
-                <a:pPr lvl="1"/>
-                <a:r>
-                  <a:rPr lang="en-US" sz="1800" dirty="0"/>
-                  <a:t>Extract a compact representation of all events within the sequence</a:t>
-                </a:r>
-              </a:p>
-              <a:p>
-                <a:pPr lvl="1"/>
-                <a:r>
-                  <a:rPr lang="en-US" sz="1800" dirty="0"/>
-                  <a:t>Generate a new sequence that is a copy of (or close to) the input one</a:t>
-                </a:r>
-              </a:p>
-              <a:p>
-                <a:r>
-                  <a:rPr lang="en-US" sz="2000" dirty="0"/>
-                  <a:t>The model can be trained by considering a reconstruction loss </a:t>
-                </a:r>
-              </a:p>
-              <a:p>
-                <a:endParaRPr lang="en-US" sz="2000" dirty="0"/>
-              </a:p>
-              <a:p>
-                <a:endParaRPr lang="en-US" sz="2000" dirty="0"/>
-              </a:p>
-              <a:p>
-                <a:endParaRPr lang="en-US" sz="2000" dirty="0"/>
-              </a:p>
-              <a:p>
-                <a:r>
-                  <a:rPr lang="en-US" sz="2000" dirty="0"/>
-                  <a:t>The outlierness score is computed as the average difference of </a:t>
-                </a:r>
-                <a14:m>
-                  <m:oMath xmlns:m="http://schemas.openxmlformats.org/officeDocument/2006/math">
-                    <m:sSub>
-                      <m:sSubPr>
-                        <m:ctrlPr>
-                          <a:rPr lang="en-US" sz="2000" i="1" dirty="0">
-                            <a:latin typeface="Cambria Math" panose="02040503050406030204" pitchFamily="18" charset="0"/>
-                          </a:rPr>
-                        </m:ctrlPr>
-                      </m:sSubPr>
-                      <m:e>
-                        <m:acc>
-                          <m:accPr>
-                            <m:chr m:val="⃗"/>
-                            <m:ctrlPr>
-                              <a:rPr lang="en-US" sz="2000" i="1" dirty="0">
-                                <a:latin typeface="Cambria Math" panose="02040503050406030204" pitchFamily="18" charset="0"/>
-                              </a:rPr>
-                            </m:ctrlPr>
-                          </m:accPr>
-                          <m:e>
-                            <m:r>
-                              <a:rPr lang="en-US" sz="2000" b="0" i="1" dirty="0" smtClean="0">
-                                <a:latin typeface="Cambria Math" panose="02040503050406030204" pitchFamily="18" charset="0"/>
-                              </a:rPr>
-                              <m:t>𝑥</m:t>
-                            </m:r>
-                          </m:e>
-                        </m:acc>
-                      </m:e>
-                      <m:sub>
-                        <m:r>
-                          <a:rPr lang="en-US" sz="2000" i="1" dirty="0">
-                            <a:latin typeface="Cambria Math" panose="02040503050406030204" pitchFamily="18" charset="0"/>
-                          </a:rPr>
-                          <m:t>𝑡</m:t>
-                        </m:r>
-                      </m:sub>
-                    </m:sSub>
-                  </m:oMath>
-                </a14:m>
-                <a:r>
-                  <a:rPr lang="en-US" sz="2000" dirty="0"/>
-                  <a:t> and </a:t>
-                </a:r>
-                <a14:m>
-                  <m:oMath xmlns:m="http://schemas.openxmlformats.org/officeDocument/2006/math">
-                    <m:sSub>
-                      <m:sSubPr>
-                        <m:ctrlPr>
-                          <a:rPr lang="en-US" sz="2000" i="1" dirty="0" smtClean="0">
-                            <a:latin typeface="Cambria Math" panose="02040503050406030204" pitchFamily="18" charset="0"/>
-                          </a:rPr>
-                        </m:ctrlPr>
-                      </m:sSubPr>
-                      <m:e>
-                        <m:acc>
-                          <m:accPr>
-                            <m:chr m:val="⃗"/>
-                            <m:ctrlPr>
-                              <a:rPr lang="en-US" sz="2000" i="1" dirty="0" smtClean="0">
-                                <a:latin typeface="Cambria Math" panose="02040503050406030204" pitchFamily="18" charset="0"/>
-                              </a:rPr>
-                            </m:ctrlPr>
-                          </m:accPr>
-                          <m:e>
-                            <m:r>
-                              <a:rPr lang="en-US" sz="2000" b="0" i="1" dirty="0" smtClean="0">
-                                <a:latin typeface="Cambria Math" panose="02040503050406030204" pitchFamily="18" charset="0"/>
-                              </a:rPr>
-                              <m:t>𝑦</m:t>
-                            </m:r>
-                          </m:e>
-                        </m:acc>
-                      </m:e>
-                      <m:sub>
-                        <m:r>
-                          <a:rPr lang="en-US" sz="2000" b="0" i="1" dirty="0" smtClean="0">
-                            <a:latin typeface="Cambria Math" panose="02040503050406030204" pitchFamily="18" charset="0"/>
-                          </a:rPr>
-                          <m:t>𝑡</m:t>
-                        </m:r>
-                      </m:sub>
-                    </m:sSub>
-                    <m:r>
-                      <a:rPr lang="en-US" sz="2000" b="0" i="1" dirty="0" smtClean="0">
-                        <a:latin typeface="Cambria Math" panose="02040503050406030204" pitchFamily="18" charset="0"/>
-                      </a:rPr>
-                      <m:t> </m:t>
-                    </m:r>
-                  </m:oMath>
-                </a14:m>
-                <a:r>
-                  <a:rPr lang="en-US" sz="2000" dirty="0"/>
-                  <a:t>of all involved windows</a:t>
-                </a:r>
-              </a:p>
-            </p:txBody>
-          </p:sp>
-        </mc:Choice>
-        <mc:Fallback xmlns="">
-          <p:sp>
-            <p:nvSpPr>
-              <p:cNvPr id="3" name="Content Placeholder 2">
-                <a:extLst>
-                  <a:ext uri="{FF2B5EF4-FFF2-40B4-BE49-F238E27FC236}">
-                    <a16:creationId xmlns:a16="http://schemas.microsoft.com/office/drawing/2014/main" id="{F4B6CD26-462E-4B65-89EA-99B678CCF9C9}"/>
-                  </a:ext>
-                </a:extLst>
-              </p:cNvPr>
-              <p:cNvSpPr>
-                <a:spLocks noGrp="1" noRot="1" noChangeAspect="1" noMove="1" noResize="1" noEditPoints="1" noAdjustHandles="1" noChangeArrowheads="1" noChangeShapeType="1" noTextEdit="1"/>
-              </p:cNvSpPr>
-              <p:nvPr>
-                <p:ph idx="1"/>
-              </p:nvPr>
-            </p:nvSpPr>
-            <p:spPr>
-              <a:xfrm>
-                <a:off x="798632" y="1535268"/>
-                <a:ext cx="8596668" cy="3880773"/>
-              </a:xfrm>
-              <a:blipFill>
-                <a:blip r:embed="rId2"/>
-                <a:stretch>
-                  <a:fillRect l="-284" t="-1887"/>
-                </a:stretch>
-              </a:blipFill>
-            </p:spPr>
-            <p:txBody>
-              <a:bodyPr/>
-              <a:lstStyle/>
-              <a:p>
-                <a:r>
-                  <a:rPr lang="en-US">
-                    <a:noFill/>
-                  </a:rPr>
-                  <a:t> </a:t>
-                </a:r>
-              </a:p>
-            </p:txBody>
-          </p:sp>
-        </mc:Fallback>
-      </mc:AlternateContent>
-      <p:pic>
-        <p:nvPicPr>
-          <p:cNvPr id="5" name="Picture 4">
+              <a:t>Results</a:t>
+            </a:r>
+          </a:p>
+        </p:txBody>
+      </p:sp>
+      <p:sp>
+        <p:nvSpPr>
+          <p:cNvPr id="3" name="Content Placeholder 2">
             <a:extLst>
               <a:ext uri="{FF2B5EF4-FFF2-40B4-BE49-F238E27FC236}">
-                <a16:creationId xmlns:a16="http://schemas.microsoft.com/office/drawing/2014/main" id="{A418DC73-909E-4AA8-91D9-1FAB07B54E52}"/>
+                <a16:creationId xmlns:a16="http://schemas.microsoft.com/office/drawing/2014/main" id="{34E26F6E-94F3-2848-A7B8-0C319ABA2FCA}"/>
               </a:ext>
             </a:extLst>
           </p:cNvPr>
-          <p:cNvPicPr>
-            <a:picLocks noChangeAspect="1"/>
-          </p:cNvPicPr>
-          <p:nvPr/>
-        </p:nvPicPr>
-        <p:blipFill>
-          <a:blip r:embed="rId3"/>
-          <a:stretch>
-            <a:fillRect/>
-          </a:stretch>
-        </p:blipFill>
+          <p:cNvSpPr>
+            <a:spLocks noGrp="1"/>
+          </p:cNvSpPr>
+          <p:nvPr>
+            <p:ph idx="1"/>
+          </p:nvPr>
+        </p:nvSpPr>
         <p:spPr>
           <a:xfrm>
-            <a:off x="3146808" y="3531641"/>
-            <a:ext cx="3309975" cy="875150"/>
+            <a:off x="677334" y="1586803"/>
+            <a:ext cx="8596668" cy="4454560"/>
           </a:xfrm>
-          <a:prstGeom prst="rect">
-            <a:avLst/>
-          </a:prstGeom>
         </p:spPr>
-      </p:pic>
-      <p:pic>
-        <p:nvPicPr>
-          <p:cNvPr id="8" name="Picture 7">
-            <a:extLst>
-              <a:ext uri="{FF2B5EF4-FFF2-40B4-BE49-F238E27FC236}">
-                <a16:creationId xmlns:a16="http://schemas.microsoft.com/office/drawing/2014/main" id="{206E9A7D-943B-4CA7-93C4-2D2C787232EA}"/>
-              </a:ext>
-            </a:extLst>
-          </p:cNvPr>
-          <p:cNvPicPr>
-            <a:picLocks noChangeAspect="1"/>
-          </p:cNvPicPr>
-          <p:nvPr/>
-        </p:nvPicPr>
-        <p:blipFill>
-          <a:blip r:embed="rId4"/>
-          <a:stretch>
-            <a:fillRect/>
-          </a:stretch>
-        </p:blipFill>
-        <p:spPr>
-          <a:xfrm>
-            <a:off x="3146808" y="5272834"/>
-            <a:ext cx="3427892" cy="1015999"/>
-          </a:xfrm>
-          <a:prstGeom prst="rect">
-            <a:avLst/>
-          </a:prstGeom>
-        </p:spPr>
-      </p:pic>
+        <p:txBody>
+          <a:bodyPr>
+            <a:normAutofit/>
+          </a:bodyPr>
+          <a:lstStyle/>
+          <a:p>
+            <a:r>
+              <a:rPr lang="en-US" sz="2400" dirty="0"/>
+              <a:t>A Neural Network in </a:t>
+            </a:r>
+            <a:r>
+              <a:rPr lang="en-US" sz="2400" dirty="0" err="1"/>
+              <a:t>SnarkyJS</a:t>
+            </a:r>
+            <a:r>
+              <a:rPr lang="en-US" sz="2400" dirty="0"/>
+              <a:t> is viable</a:t>
+            </a:r>
+          </a:p>
+          <a:p>
+            <a:pPr lvl="1"/>
+            <a:r>
+              <a:rPr lang="en-US" sz="2400" dirty="0"/>
+              <a:t>A multi-class classification model is currently not viable due to difficulty implementing exponential function in the circuit</a:t>
+            </a:r>
+          </a:p>
+          <a:p>
+            <a:pPr lvl="1"/>
+            <a:r>
+              <a:rPr lang="en-US" sz="2400" dirty="0"/>
+              <a:t>Initial results from the output of the model prior to the </a:t>
+            </a:r>
+            <a:r>
+              <a:rPr lang="en-US" sz="2400" dirty="0" err="1"/>
+              <a:t>Softmax</a:t>
+            </a:r>
+            <a:r>
+              <a:rPr lang="en-US" sz="2400" dirty="0"/>
+              <a:t> activation function matched the expected result from the Python / </a:t>
+            </a:r>
+            <a:r>
+              <a:rPr lang="en-US" sz="2400" dirty="0" err="1"/>
+              <a:t>Tensorflow</a:t>
+            </a:r>
+            <a:r>
+              <a:rPr lang="en-US" sz="2400" dirty="0"/>
+              <a:t> model</a:t>
+            </a:r>
+            <a:br>
+              <a:rPr lang="en-US" sz="2400" dirty="0"/>
+            </a:br>
+            <a:r>
+              <a:rPr lang="en-US" sz="1200" dirty="0"/>
+              <a:t>Reference: </a:t>
+            </a:r>
+            <a:r>
+              <a:rPr lang="en-US" sz="1200" dirty="0">
+                <a:hlinkClick r:id="rId2"/>
+              </a:rPr>
+              <a:t>https://discord.com/channels/484437221055922177/927630405555863573/941380883984842823</a:t>
+            </a:r>
+            <a:r>
+              <a:rPr lang="en-US" sz="1200" dirty="0"/>
+              <a:t> </a:t>
+            </a:r>
+            <a:endParaRPr lang="en-US" sz="1400" dirty="0"/>
+          </a:p>
+        </p:txBody>
+      </p:sp>
     </p:spTree>
     <p:extLst>
       <p:ext uri="{BB962C8B-B14F-4D97-AF65-F5344CB8AC3E}">
-        <p14:creationId xmlns:p14="http://schemas.microsoft.com/office/powerpoint/2010/main" val="2473101866"/>
+        <p14:creationId xmlns:p14="http://schemas.microsoft.com/office/powerpoint/2010/main" val="1845297439"/>
       </p:ext>
     </p:extLst>
   </p:cSld>
@@ -6542,7 +6524,7 @@
           <p:cNvPr id="2" name="Title 1">
             <a:extLst>
               <a:ext uri="{FF2B5EF4-FFF2-40B4-BE49-F238E27FC236}">
-                <a16:creationId xmlns:a16="http://schemas.microsoft.com/office/drawing/2014/main" id="{14017386-FDEC-45FD-85F1-41A35E5181CB}"/>
+                <a16:creationId xmlns:a16="http://schemas.microsoft.com/office/drawing/2014/main" id="{9D955803-B7B9-427A-B256-2D11049694B9}"/>
               </a:ext>
             </a:extLst>
           </p:cNvPr>
@@ -6560,114 +6542,547 @@
           <a:p>
             <a:r>
               <a:rPr lang="en-US" dirty="0"/>
-              <a:t>Feature Extraction and Normalization</a:t>
-            </a:r>
-          </a:p>
-        </p:txBody>
-      </p:sp>
-      <p:sp>
-        <p:nvSpPr>
-          <p:cNvPr id="3" name="Content Placeholder 2">
-            <a:extLst>
-              <a:ext uri="{FF2B5EF4-FFF2-40B4-BE49-F238E27FC236}">
-                <a16:creationId xmlns:a16="http://schemas.microsoft.com/office/drawing/2014/main" id="{F4B6CD26-462E-4B65-89EA-99B678CCF9C9}"/>
-              </a:ext>
-            </a:extLst>
-          </p:cNvPr>
-          <p:cNvSpPr>
-            <a:spLocks noGrp="1"/>
-          </p:cNvSpPr>
-          <p:nvPr>
-            <p:ph idx="1"/>
-          </p:nvPr>
-        </p:nvSpPr>
-        <p:spPr>
-          <a:xfrm>
-            <a:off x="798632" y="1535268"/>
-            <a:ext cx="8596668" cy="4713132"/>
-          </a:xfrm>
-        </p:spPr>
-        <p:txBody>
-          <a:bodyPr>
-            <a:normAutofit/>
-          </a:bodyPr>
-          <a:lstStyle/>
-          <a:p>
-            <a:r>
-              <a:rPr lang="en-US" sz="2400" dirty="0"/>
-              <a:t>Preprocess and normalize the data with feature selection of the more relevant attributes</a:t>
-            </a:r>
-          </a:p>
-          <a:p>
-            <a:pPr lvl="1"/>
-            <a:r>
-              <a:rPr lang="en-US" sz="2000" dirty="0"/>
-              <a:t>Aggregate the data for the features on a daily basis:</a:t>
-            </a:r>
-          </a:p>
-          <a:p>
-            <a:pPr lvl="2"/>
-            <a:r>
-              <a:rPr lang="en-US" sz="1800" dirty="0"/>
-              <a:t>Average size of a block (bytes)</a:t>
-            </a:r>
-          </a:p>
-          <a:p>
-            <a:pPr lvl="2"/>
-            <a:r>
-              <a:rPr lang="en-US" sz="1800" dirty="0"/>
-              <a:t>Average provided gas (fee) to perform the transaction (</a:t>
-            </a:r>
-            <a:r>
-              <a:rPr lang="en-US" sz="1800" dirty="0" err="1"/>
-              <a:t>wei</a:t>
-            </a:r>
-            <a:r>
-              <a:rPr lang="en-US" sz="1800" dirty="0"/>
-              <a:t>)</a:t>
-            </a:r>
-          </a:p>
-          <a:p>
-            <a:pPr lvl="2"/>
-            <a:r>
-              <a:rPr lang="en-US" sz="1800" dirty="0"/>
-              <a:t>Average difficult to validate a block</a:t>
-            </a:r>
-          </a:p>
-          <a:p>
-            <a:pPr lvl="2"/>
-            <a:r>
-              <a:rPr lang="en-US" sz="1800" dirty="0"/>
-              <a:t>Average number of transactions contained in a block</a:t>
-            </a:r>
-          </a:p>
-          <a:p>
-            <a:pPr lvl="2"/>
-            <a:r>
-              <a:rPr lang="en-US" sz="1800" dirty="0"/>
-              <a:t>Total amount of gas in all blocks</a:t>
-            </a:r>
-          </a:p>
-          <a:p>
-            <a:pPr lvl="2"/>
-            <a:r>
-              <a:rPr lang="en-US" sz="1800" dirty="0"/>
-              <a:t>Total number of transactions in all blocks</a:t>
-            </a:r>
-          </a:p>
-          <a:p>
-            <a:pPr lvl="1"/>
-            <a:r>
-              <a:rPr lang="en-US" sz="2000" dirty="0"/>
-              <a:t>Normalization allowed for the removal of seasonal, cyclic, and trending fluctuations in the data using a moving quantile ratio</a:t>
-            </a:r>
-          </a:p>
-        </p:txBody>
-      </p:sp>
+              <a:t>Challenges</a:t>
+            </a:r>
+          </a:p>
+        </p:txBody>
+      </p:sp>
+      <mc:AlternateContent xmlns:mc="http://schemas.openxmlformats.org/markup-compatibility/2006">
+        <mc:Choice xmlns:a14="http://schemas.microsoft.com/office/drawing/2010/main" Requires="a14">
+          <p:sp>
+            <p:nvSpPr>
+              <p:cNvPr id="3" name="Content Placeholder 2">
+                <a:extLst>
+                  <a:ext uri="{FF2B5EF4-FFF2-40B4-BE49-F238E27FC236}">
+                    <a16:creationId xmlns:a16="http://schemas.microsoft.com/office/drawing/2014/main" id="{659C99D8-C9BE-49FD-83A0-034246C22788}"/>
+                  </a:ext>
+                </a:extLst>
+              </p:cNvPr>
+              <p:cNvSpPr>
+                <a:spLocks noGrp="1"/>
+              </p:cNvSpPr>
+              <p:nvPr>
+                <p:ph idx="1"/>
+              </p:nvPr>
+            </p:nvSpPr>
+            <p:spPr>
+              <a:xfrm>
+                <a:off x="656221" y="1670645"/>
+                <a:ext cx="9094270" cy="4303197"/>
+              </a:xfrm>
+            </p:spPr>
+            <p:txBody>
+              <a:bodyPr>
+                <a:normAutofit fontScale="92500" lnSpcReduction="20000"/>
+              </a:bodyPr>
+              <a:lstStyle/>
+              <a:p>
+                <a:pPr lvl="1"/>
+                <a:r>
+                  <a:rPr lang="en-US" sz="1800" dirty="0"/>
+                  <a:t>Representation of decimals in Field elements are performed by scaling the decimal value for the Int65 element</a:t>
+                </a:r>
+              </a:p>
+              <a:p>
+                <a:pPr lvl="2"/>
+                <a:r>
+                  <a:rPr lang="en-US" sz="1600" dirty="0"/>
+                  <a:t>Decimals are multiplied by a scaling factor of </a:t>
+                </a:r>
+                <a14:m>
+                  <m:oMath xmlns:m="http://schemas.openxmlformats.org/officeDocument/2006/math">
+                    <m:sSup>
+                      <m:sSupPr>
+                        <m:ctrlPr>
+                          <a:rPr lang="en-US" sz="1600" i="1" dirty="0" smtClean="0">
+                            <a:latin typeface="Cambria Math" panose="02040503050406030204" pitchFamily="18" charset="0"/>
+                          </a:rPr>
+                        </m:ctrlPr>
+                      </m:sSupPr>
+                      <m:e>
+                        <m:r>
+                          <a:rPr lang="en-US" sz="1600" b="0" i="1" dirty="0" smtClean="0">
+                            <a:latin typeface="Cambria Math" panose="02040503050406030204" pitchFamily="18" charset="0"/>
+                          </a:rPr>
+                          <m:t>10</m:t>
+                        </m:r>
+                      </m:e>
+                      <m:sup>
+                        <m:r>
+                          <a:rPr lang="en-US" sz="1600" b="0" i="1" dirty="0" smtClean="0">
+                            <a:latin typeface="Cambria Math" panose="02040503050406030204" pitchFamily="18" charset="0"/>
+                          </a:rPr>
+                          <m:t>8</m:t>
+                        </m:r>
+                      </m:sup>
+                    </m:sSup>
+                    <m:r>
+                      <a:rPr lang="en-US" sz="1600" i="1" dirty="0" smtClean="0">
+                        <a:latin typeface="Cambria Math" panose="02040503050406030204" pitchFamily="18" charset="0"/>
+                      </a:rPr>
+                      <m:t> </m:t>
+                    </m:r>
+                  </m:oMath>
+                </a14:m>
+                <a:r>
+                  <a:rPr lang="en-US" sz="1600" dirty="0"/>
+                  <a:t>( e.g. 0.1234 to 12340000 )</a:t>
+                </a:r>
+              </a:p>
+              <a:p>
+                <a:pPr lvl="2"/>
+                <a:r>
+                  <a:rPr lang="en-US" sz="1600" dirty="0"/>
+                  <a:t>Introduces rounding error but may be mitigated during the training of the NN</a:t>
+                </a:r>
+              </a:p>
+              <a:p>
+                <a:pPr lvl="2"/>
+                <a:r>
+                  <a:rPr lang="en-US" sz="1600" dirty="0"/>
+                  <a:t>Limited by the range of </a:t>
+                </a:r>
+                <a14:m>
+                  <m:oMath xmlns:m="http://schemas.openxmlformats.org/officeDocument/2006/math">
+                    <m:sSup>
+                      <m:sSupPr>
+                        <m:ctrlPr>
+                          <a:rPr lang="en-US" sz="1600" i="1" dirty="0" smtClean="0">
+                            <a:latin typeface="Cambria Math" panose="02040503050406030204" pitchFamily="18" charset="0"/>
+                          </a:rPr>
+                        </m:ctrlPr>
+                      </m:sSupPr>
+                      <m:e>
+                        <m:r>
+                          <a:rPr lang="en-US" sz="1600" b="0" i="1" dirty="0" smtClean="0">
+                            <a:latin typeface="Cambria Math" panose="02040503050406030204" pitchFamily="18" charset="0"/>
+                          </a:rPr>
+                          <m:t>−2</m:t>
+                        </m:r>
+                      </m:e>
+                      <m:sup>
+                        <m:r>
+                          <a:rPr lang="en-US" sz="1600" b="0" i="1" dirty="0" smtClean="0">
+                            <a:latin typeface="Cambria Math" panose="02040503050406030204" pitchFamily="18" charset="0"/>
+                          </a:rPr>
+                          <m:t>64</m:t>
+                        </m:r>
+                      </m:sup>
+                    </m:sSup>
+                    <m:r>
+                      <a:rPr lang="en-US" sz="1600" b="0" i="1" dirty="0" smtClean="0">
+                        <a:latin typeface="Cambria Math" panose="02040503050406030204" pitchFamily="18" charset="0"/>
+                      </a:rPr>
+                      <m:t>+1</m:t>
+                    </m:r>
+                  </m:oMath>
+                </a14:m>
+                <a:r>
+                  <a:rPr lang="en-US" sz="1600" dirty="0"/>
+                  <a:t> to </a:t>
+                </a:r>
+                <a14:m>
+                  <m:oMath xmlns:m="http://schemas.openxmlformats.org/officeDocument/2006/math">
+                    <m:sSup>
+                      <m:sSupPr>
+                        <m:ctrlPr>
+                          <a:rPr lang="en-US" sz="1600" i="1" dirty="0">
+                            <a:latin typeface="Cambria Math" panose="02040503050406030204" pitchFamily="18" charset="0"/>
+                          </a:rPr>
+                        </m:ctrlPr>
+                      </m:sSupPr>
+                      <m:e>
+                        <m:r>
+                          <a:rPr lang="en-US" sz="1600" i="1" dirty="0">
+                            <a:latin typeface="Cambria Math" panose="02040503050406030204" pitchFamily="18" charset="0"/>
+                          </a:rPr>
+                          <m:t>2</m:t>
+                        </m:r>
+                      </m:e>
+                      <m:sup>
+                        <m:r>
+                          <a:rPr lang="en-US" sz="1600" i="1" dirty="0">
+                            <a:latin typeface="Cambria Math" panose="02040503050406030204" pitchFamily="18" charset="0"/>
+                          </a:rPr>
+                          <m:t>64</m:t>
+                        </m:r>
+                      </m:sup>
+                    </m:sSup>
+                    <m:r>
+                      <a:rPr lang="en-US" sz="1600" i="1" dirty="0">
+                        <a:latin typeface="Cambria Math" panose="02040503050406030204" pitchFamily="18" charset="0"/>
+                      </a:rPr>
+                      <m:t>−</m:t>
+                    </m:r>
+                    <m:r>
+                      <a:rPr lang="en-US" sz="1600" i="1" dirty="0">
+                        <a:latin typeface="Cambria Math" panose="02040503050406030204" pitchFamily="18" charset="0"/>
+                      </a:rPr>
+                      <m:t>1</m:t>
+                    </m:r>
+                  </m:oMath>
+                </a14:m>
+                <a:endParaRPr lang="en-US" sz="1600" dirty="0"/>
+              </a:p>
+              <a:p>
+                <a:pPr lvl="1"/>
+                <a:r>
+                  <a:rPr lang="en-US" sz="1800" dirty="0" err="1"/>
+                  <a:t>Softmax</a:t>
+                </a:r>
+                <a:r>
+                  <a:rPr lang="en-US" sz="1800" dirty="0"/>
+                  <a:t> activation function utilizes the exponential</a:t>
+                </a:r>
+              </a:p>
+              <a:p>
+                <a:pPr marL="457200" lvl="1" indent="0" algn="ctr">
+                  <a:buNone/>
+                </a:pPr>
+                <a14:m>
+                  <m:oMathPara xmlns:m="http://schemas.openxmlformats.org/officeDocument/2006/math">
+                    <m:oMathParaPr>
+                      <m:jc m:val="centerGroup"/>
+                    </m:oMathParaPr>
+                    <m:oMath xmlns:m="http://schemas.openxmlformats.org/officeDocument/2006/math">
+                      <m:r>
+                        <a:rPr lang="en-US" sz="1800" i="1" smtClean="0">
+                          <a:latin typeface="Cambria Math" panose="02040503050406030204" pitchFamily="18" charset="0"/>
+                          <a:ea typeface="Cambria Math" panose="02040503050406030204" pitchFamily="18" charset="0"/>
+                        </a:rPr>
+                        <m:t>𝜎</m:t>
+                      </m:r>
+                      <m:sSub>
+                        <m:sSubPr>
+                          <m:ctrlPr>
+                            <a:rPr lang="en-US" sz="1800" i="1" smtClean="0">
+                              <a:latin typeface="Cambria Math" panose="02040503050406030204" pitchFamily="18" charset="0"/>
+                              <a:ea typeface="Cambria Math" panose="02040503050406030204" pitchFamily="18" charset="0"/>
+                            </a:rPr>
+                          </m:ctrlPr>
+                        </m:sSubPr>
+                        <m:e>
+                          <m:d>
+                            <m:dPr>
+                              <m:ctrlPr>
+                                <a:rPr lang="en-US" sz="1800" i="1">
+                                  <a:latin typeface="Cambria Math" panose="02040503050406030204" pitchFamily="18" charset="0"/>
+                                  <a:ea typeface="Cambria Math" panose="02040503050406030204" pitchFamily="18" charset="0"/>
+                                </a:rPr>
+                              </m:ctrlPr>
+                            </m:dPr>
+                            <m:e>
+                              <m:r>
+                                <a:rPr lang="en-US" sz="1800" i="1">
+                                  <a:latin typeface="Cambria Math" panose="02040503050406030204" pitchFamily="18" charset="0"/>
+                                  <a:ea typeface="Cambria Math" panose="02040503050406030204" pitchFamily="18" charset="0"/>
+                                </a:rPr>
+                                <m:t>𝑧</m:t>
+                              </m:r>
+                            </m:e>
+                          </m:d>
+                        </m:e>
+                        <m:sub>
+                          <m:r>
+                            <a:rPr lang="en-US" sz="1800" b="0" i="1" smtClean="0">
+                              <a:latin typeface="Cambria Math" panose="02040503050406030204" pitchFamily="18" charset="0"/>
+                              <a:ea typeface="Cambria Math" panose="02040503050406030204" pitchFamily="18" charset="0"/>
+                            </a:rPr>
+                            <m:t>𝑖</m:t>
+                          </m:r>
+                        </m:sub>
+                      </m:sSub>
+                      <m:r>
+                        <a:rPr lang="en-US" sz="1800" b="0" i="1" smtClean="0">
+                          <a:latin typeface="Cambria Math" panose="02040503050406030204" pitchFamily="18" charset="0"/>
+                          <a:ea typeface="Cambria Math" panose="02040503050406030204" pitchFamily="18" charset="0"/>
+                        </a:rPr>
+                        <m:t>= </m:t>
+                      </m:r>
+                      <m:f>
+                        <m:fPr>
+                          <m:ctrlPr>
+                            <a:rPr lang="en-US" sz="1800" b="0" i="1" smtClean="0">
+                              <a:latin typeface="Cambria Math" panose="02040503050406030204" pitchFamily="18" charset="0"/>
+                              <a:ea typeface="Cambria Math" panose="02040503050406030204" pitchFamily="18" charset="0"/>
+                            </a:rPr>
+                          </m:ctrlPr>
+                        </m:fPr>
+                        <m:num>
+                          <m:sSup>
+                            <m:sSupPr>
+                              <m:ctrlPr>
+                                <a:rPr lang="en-US" sz="1800" b="0" i="1" smtClean="0">
+                                  <a:latin typeface="Cambria Math" panose="02040503050406030204" pitchFamily="18" charset="0"/>
+                                  <a:ea typeface="Cambria Math" panose="02040503050406030204" pitchFamily="18" charset="0"/>
+                                </a:rPr>
+                              </m:ctrlPr>
+                            </m:sSupPr>
+                            <m:e>
+                              <m:r>
+                                <a:rPr lang="en-US" sz="1800" b="0" i="1" smtClean="0">
+                                  <a:latin typeface="Cambria Math" panose="02040503050406030204" pitchFamily="18" charset="0"/>
+                                  <a:ea typeface="Cambria Math" panose="02040503050406030204" pitchFamily="18" charset="0"/>
+                                </a:rPr>
+                                <m:t>𝑒</m:t>
+                              </m:r>
+                            </m:e>
+                            <m:sup>
+                              <m:sSub>
+                                <m:sSubPr>
+                                  <m:ctrlPr>
+                                    <a:rPr lang="en-US" sz="1800" b="0" i="1" smtClean="0">
+                                      <a:latin typeface="Cambria Math" panose="02040503050406030204" pitchFamily="18" charset="0"/>
+                                      <a:ea typeface="Cambria Math" panose="02040503050406030204" pitchFamily="18" charset="0"/>
+                                    </a:rPr>
+                                  </m:ctrlPr>
+                                </m:sSubPr>
+                                <m:e>
+                                  <m:r>
+                                    <a:rPr lang="en-US" sz="1800" b="0" i="1" smtClean="0">
+                                      <a:latin typeface="Cambria Math" panose="02040503050406030204" pitchFamily="18" charset="0"/>
+                                      <a:ea typeface="Cambria Math" panose="02040503050406030204" pitchFamily="18" charset="0"/>
+                                    </a:rPr>
+                                    <m:t>𝑧</m:t>
+                                  </m:r>
+                                </m:e>
+                                <m:sub>
+                                  <m:r>
+                                    <a:rPr lang="en-US" sz="1800" b="0" i="1" smtClean="0">
+                                      <a:latin typeface="Cambria Math" panose="02040503050406030204" pitchFamily="18" charset="0"/>
+                                      <a:ea typeface="Cambria Math" panose="02040503050406030204" pitchFamily="18" charset="0"/>
+                                    </a:rPr>
+                                    <m:t>𝑖</m:t>
+                                  </m:r>
+                                </m:sub>
+                              </m:sSub>
+                            </m:sup>
+                          </m:sSup>
+                        </m:num>
+                        <m:den>
+                          <m:nary>
+                            <m:naryPr>
+                              <m:chr m:val="∑"/>
+                              <m:subHide m:val="on"/>
+                              <m:supHide m:val="on"/>
+                              <m:ctrlPr>
+                                <a:rPr lang="en-US" sz="1800" b="0" i="1" smtClean="0">
+                                  <a:latin typeface="Cambria Math" panose="02040503050406030204" pitchFamily="18" charset="0"/>
+                                  <a:ea typeface="Cambria Math" panose="02040503050406030204" pitchFamily="18" charset="0"/>
+                                </a:rPr>
+                              </m:ctrlPr>
+                            </m:naryPr>
+                            <m:sub/>
+                            <m:sup/>
+                            <m:e>
+                              <m:sSup>
+                                <m:sSupPr>
+                                  <m:ctrlPr>
+                                    <a:rPr lang="en-US" sz="1800" b="0" i="1" smtClean="0">
+                                      <a:latin typeface="Cambria Math" panose="02040503050406030204" pitchFamily="18" charset="0"/>
+                                      <a:ea typeface="Cambria Math" panose="02040503050406030204" pitchFamily="18" charset="0"/>
+                                    </a:rPr>
+                                  </m:ctrlPr>
+                                </m:sSupPr>
+                                <m:e>
+                                  <m:r>
+                                    <a:rPr lang="en-US" sz="1800" b="0" i="1" smtClean="0">
+                                      <a:latin typeface="Cambria Math" panose="02040503050406030204" pitchFamily="18" charset="0"/>
+                                      <a:ea typeface="Cambria Math" panose="02040503050406030204" pitchFamily="18" charset="0"/>
+                                    </a:rPr>
+                                    <m:t>𝑒</m:t>
+                                  </m:r>
+                                </m:e>
+                                <m:sup>
+                                  <m:sSub>
+                                    <m:sSubPr>
+                                      <m:ctrlPr>
+                                        <a:rPr lang="en-US" sz="1800" b="0" i="1" smtClean="0">
+                                          <a:latin typeface="Cambria Math" panose="02040503050406030204" pitchFamily="18" charset="0"/>
+                                          <a:ea typeface="Cambria Math" panose="02040503050406030204" pitchFamily="18" charset="0"/>
+                                        </a:rPr>
+                                      </m:ctrlPr>
+                                    </m:sSubPr>
+                                    <m:e>
+                                      <m:r>
+                                        <a:rPr lang="en-US" sz="1800" b="0" i="1" smtClean="0">
+                                          <a:latin typeface="Cambria Math" panose="02040503050406030204" pitchFamily="18" charset="0"/>
+                                          <a:ea typeface="Cambria Math" panose="02040503050406030204" pitchFamily="18" charset="0"/>
+                                        </a:rPr>
+                                        <m:t>𝑧</m:t>
+                                      </m:r>
+                                    </m:e>
+                                    <m:sub>
+                                      <m:r>
+                                        <a:rPr lang="en-US" sz="1800" b="0" i="1" smtClean="0">
+                                          <a:latin typeface="Cambria Math" panose="02040503050406030204" pitchFamily="18" charset="0"/>
+                                          <a:ea typeface="Cambria Math" panose="02040503050406030204" pitchFamily="18" charset="0"/>
+                                        </a:rPr>
+                                        <m:t>𝑗</m:t>
+                                      </m:r>
+                                    </m:sub>
+                                  </m:sSub>
+                                </m:sup>
+                              </m:sSup>
+                            </m:e>
+                          </m:nary>
+                        </m:den>
+                      </m:f>
+                    </m:oMath>
+                  </m:oMathPara>
+                </a14:m>
+                <a:endParaRPr lang="en-US" sz="1800" dirty="0"/>
+              </a:p>
+              <a:p>
+                <a:pPr lvl="1"/>
+                <a:r>
+                  <a:rPr lang="en-US" sz="1800" dirty="0"/>
+                  <a:t>Conversion of the Field to a string to use the </a:t>
+                </a:r>
+                <a:r>
+                  <a:rPr lang="en-US" sz="1800" dirty="0" err="1"/>
+                  <a:t>Math.exp</a:t>
+                </a:r>
+                <a:r>
+                  <a:rPr lang="en-US" sz="1800" dirty="0"/>
+                  <a:t> method is not viable as it is outside of the circuit</a:t>
+                </a:r>
+              </a:p>
+              <a:p>
+                <a:pPr lvl="1"/>
+                <a:r>
+                  <a:rPr lang="en-US" sz="1800" dirty="0"/>
+                  <a:t>Taylor series exponential implementation limitations</a:t>
+                </a:r>
+              </a:p>
+              <a:p>
+                <a:pPr lvl="2"/>
+                <a:r>
+                  <a:rPr lang="en-US" sz="1600" dirty="0"/>
+                  <a:t>Taylor Series </a:t>
+                </a:r>
+                <a14:m>
+                  <m:oMath xmlns:m="http://schemas.openxmlformats.org/officeDocument/2006/math">
+                    <m:sSup>
+                      <m:sSupPr>
+                        <m:ctrlPr>
+                          <a:rPr lang="en-US" sz="1600" i="1" smtClean="0">
+                            <a:latin typeface="Cambria Math" panose="02040503050406030204" pitchFamily="18" charset="0"/>
+                          </a:rPr>
+                        </m:ctrlPr>
+                      </m:sSupPr>
+                      <m:e>
+                        <m:r>
+                          <a:rPr lang="en-US" sz="1600" b="0" i="1" smtClean="0">
+                            <a:latin typeface="Cambria Math" panose="02040503050406030204" pitchFamily="18" charset="0"/>
+                          </a:rPr>
+                          <m:t>𝑒</m:t>
+                        </m:r>
+                      </m:e>
+                      <m:sup>
+                        <m:r>
+                          <a:rPr lang="en-US" sz="1600" b="0" i="1" smtClean="0">
+                            <a:latin typeface="Cambria Math" panose="02040503050406030204" pitchFamily="18" charset="0"/>
+                          </a:rPr>
+                          <m:t>𝑥</m:t>
+                        </m:r>
+                      </m:sup>
+                    </m:sSup>
+                  </m:oMath>
+                </a14:m>
+                <a:r>
+                  <a:rPr lang="en-US" sz="1600" dirty="0"/>
+                  <a:t> is accurate from ranges of -2.5 to 2.5</a:t>
+                </a:r>
+              </a:p>
+              <a:p>
+                <a:pPr lvl="2"/>
+                <a:r>
+                  <a:rPr lang="en-US" sz="1600" dirty="0"/>
+                  <a:t>Outside of -2.5 to 2.5 the calculated value is inaccurate</a:t>
+                </a:r>
+              </a:p>
+              <a:p>
+                <a:pPr lvl="2"/>
+                <a:r>
+                  <a:rPr lang="en-US" sz="1600" dirty="0"/>
+                  <a:t>Common practice to improve accuracy is to the increase the expansion but would run into out of range limits with Int65</a:t>
+                </a:r>
+              </a:p>
+              <a:p>
+                <a:pPr lvl="2"/>
+                <a:endParaRPr lang="en-US" sz="1600" dirty="0"/>
+              </a:p>
+              <a:p>
+                <a:pPr lvl="2"/>
+                <a:endParaRPr lang="en-US" sz="1600" dirty="0"/>
+              </a:p>
+              <a:p>
+                <a:pPr marL="914400" lvl="2" indent="0">
+                  <a:buNone/>
+                </a:pPr>
+                <a:endParaRPr lang="en-US" sz="1600" dirty="0"/>
+              </a:p>
+              <a:p>
+                <a:endParaRPr lang="en-US" sz="2000" dirty="0"/>
+              </a:p>
+              <a:p>
+                <a:pPr marL="0" indent="0">
+                  <a:buNone/>
+                </a:pPr>
+                <a:endParaRPr lang="en-US" sz="1600" dirty="0"/>
+              </a:p>
+            </p:txBody>
+          </p:sp>
+        </mc:Choice>
+        <mc:Fallback>
+          <p:sp>
+            <p:nvSpPr>
+              <p:cNvPr id="3" name="Content Placeholder 2">
+                <a:extLst>
+                  <a:ext uri="{FF2B5EF4-FFF2-40B4-BE49-F238E27FC236}">
+                    <a16:creationId xmlns:a16="http://schemas.microsoft.com/office/drawing/2014/main" id="{659C99D8-C9BE-49FD-83A0-034246C22788}"/>
+                  </a:ext>
+                </a:extLst>
+              </p:cNvPr>
+              <p:cNvSpPr>
+                <a:spLocks noGrp="1" noRot="1" noChangeAspect="1" noMove="1" noResize="1" noEditPoints="1" noAdjustHandles="1" noChangeArrowheads="1" noChangeShapeType="1" noTextEdit="1"/>
+              </p:cNvSpPr>
+              <p:nvPr>
+                <p:ph idx="1"/>
+              </p:nvPr>
+            </p:nvSpPr>
+            <p:spPr>
+              <a:xfrm>
+                <a:off x="656221" y="1670645"/>
+                <a:ext cx="9094270" cy="4303197"/>
+              </a:xfrm>
+              <a:blipFill>
+                <a:blip r:embed="rId2"/>
+                <a:stretch>
+                  <a:fillRect t="-2059" r="-418" b="-1471"/>
+                </a:stretch>
+              </a:blipFill>
+            </p:spPr>
+            <p:txBody>
+              <a:bodyPr/>
+              <a:lstStyle/>
+              <a:p>
+                <a:r>
+                  <a:rPr lang="en-US">
+                    <a:noFill/>
+                  </a:rPr>
+                  <a:t> </a:t>
+                </a:r>
+              </a:p>
+            </p:txBody>
+          </p:sp>
+        </mc:Fallback>
+      </mc:AlternateContent>
     </p:spTree>
     <p:extLst>
       <p:ext uri="{BB962C8B-B14F-4D97-AF65-F5344CB8AC3E}">
-        <p14:creationId xmlns:p14="http://schemas.microsoft.com/office/powerpoint/2010/main" val="2688994902"/>
+        <p14:creationId xmlns:p14="http://schemas.microsoft.com/office/powerpoint/2010/main" val="963631476"/>
       </p:ext>
     </p:extLst>
   </p:cSld>
@@ -6699,7 +7114,7 @@
           <p:cNvPr id="2" name="Title 1">
             <a:extLst>
               <a:ext uri="{FF2B5EF4-FFF2-40B4-BE49-F238E27FC236}">
-                <a16:creationId xmlns:a16="http://schemas.microsoft.com/office/drawing/2014/main" id="{579699A8-318C-4F1E-A9DB-84CE8B2AB030}"/>
+                <a16:creationId xmlns:a16="http://schemas.microsoft.com/office/drawing/2014/main" id="{9D955803-B7B9-427A-B256-2D11049694B9}"/>
               </a:ext>
             </a:extLst>
           </p:cNvPr>
@@ -6717,373 +7132,96 @@
           <a:p>
             <a:r>
               <a:rPr lang="en-US" dirty="0"/>
-              <a:t>Visualization of Normalization</a:t>
-            </a:r>
-          </a:p>
-        </p:txBody>
-      </p:sp>
-      <p:pic>
-        <p:nvPicPr>
-          <p:cNvPr id="5" name="Picture 4">
+              <a:t>Lessons Learned</a:t>
+            </a:r>
+          </a:p>
+        </p:txBody>
+      </p:sp>
+      <p:sp>
+        <p:nvSpPr>
+          <p:cNvPr id="3" name="Content Placeholder 2">
             <a:extLst>
               <a:ext uri="{FF2B5EF4-FFF2-40B4-BE49-F238E27FC236}">
-                <a16:creationId xmlns:a16="http://schemas.microsoft.com/office/drawing/2014/main" id="{E3233B3C-6BE3-4DBC-AC12-071CFDD231E6}"/>
+                <a16:creationId xmlns:a16="http://schemas.microsoft.com/office/drawing/2014/main" id="{659C99D8-C9BE-49FD-83A0-034246C22788}"/>
               </a:ext>
             </a:extLst>
           </p:cNvPr>
-          <p:cNvPicPr>
-            <a:picLocks noChangeAspect="1"/>
-          </p:cNvPicPr>
-          <p:nvPr/>
-        </p:nvPicPr>
-        <p:blipFill>
-          <a:blip r:embed="rId2"/>
-          <a:stretch>
-            <a:fillRect/>
-          </a:stretch>
-        </p:blipFill>
+          <p:cNvSpPr>
+            <a:spLocks noGrp="1"/>
+          </p:cNvSpPr>
+          <p:nvPr>
+            <p:ph idx="1"/>
+          </p:nvPr>
+        </p:nvSpPr>
         <p:spPr>
           <a:xfrm>
-            <a:off x="433755" y="1930400"/>
-            <a:ext cx="9083826" cy="3997615"/>
+            <a:off x="656221" y="1670645"/>
+            <a:ext cx="9094270" cy="4303197"/>
           </a:xfrm>
-          <a:prstGeom prst="rect">
-            <a:avLst/>
-          </a:prstGeom>
         </p:spPr>
-      </p:pic>
-      <p:cxnSp>
-        <p:nvCxnSpPr>
-          <p:cNvPr id="8" name="Straight Arrow Connector 7">
-            <a:extLst>
-              <a:ext uri="{FF2B5EF4-FFF2-40B4-BE49-F238E27FC236}">
-                <a16:creationId xmlns:a16="http://schemas.microsoft.com/office/drawing/2014/main" id="{80557002-FA1F-4F52-ACE6-12B9215E3A95}"/>
-              </a:ext>
-            </a:extLst>
-          </p:cNvPr>
-          <p:cNvCxnSpPr>
-            <a:cxnSpLocks/>
-            <a:stCxn id="9" idx="2"/>
-          </p:cNvCxnSpPr>
-          <p:nvPr/>
-        </p:nvCxnSpPr>
-        <p:spPr>
-          <a:xfrm>
-            <a:off x="1436912" y="1870269"/>
-            <a:ext cx="332102" cy="314131"/>
-          </a:xfrm>
-          <a:prstGeom prst="straightConnector1">
-            <a:avLst/>
-          </a:prstGeom>
-          <a:ln>
-            <a:tailEnd type="triangle"/>
-          </a:ln>
-        </p:spPr>
-        <p:style>
-          <a:lnRef idx="1">
-            <a:schemeClr val="accent1"/>
-          </a:lnRef>
-          <a:fillRef idx="0">
-            <a:schemeClr val="accent1"/>
-          </a:fillRef>
-          <a:effectRef idx="0">
-            <a:schemeClr val="accent1"/>
-          </a:effectRef>
-          <a:fontRef idx="minor">
-            <a:schemeClr val="tx1"/>
-          </a:fontRef>
-        </p:style>
-      </p:cxnSp>
-      <p:sp>
-        <p:nvSpPr>
-          <p:cNvPr id="9" name="TextBox 8">
-            <a:extLst>
-              <a:ext uri="{FF2B5EF4-FFF2-40B4-BE49-F238E27FC236}">
-                <a16:creationId xmlns:a16="http://schemas.microsoft.com/office/drawing/2014/main" id="{BA67C136-45AA-4A85-8D08-012C3E1BF425}"/>
-              </a:ext>
-            </a:extLst>
-          </p:cNvPr>
-          <p:cNvSpPr txBox="1"/>
-          <p:nvPr/>
-        </p:nvSpPr>
-        <p:spPr>
-          <a:xfrm>
-            <a:off x="943631" y="1593270"/>
-            <a:ext cx="986561" cy="276999"/>
-          </a:xfrm>
-          <a:prstGeom prst="rect">
-            <a:avLst/>
-          </a:prstGeom>
-          <a:noFill/>
-          <a:ln>
-            <a:solidFill>
-              <a:schemeClr val="tx1"/>
-            </a:solidFill>
-          </a:ln>
-        </p:spPr>
-        <p:txBody>
-          <a:bodyPr wrap="square" rtlCol="0">
-            <a:spAutoFit/>
+        <p:txBody>
+          <a:bodyPr>
+            <a:normAutofit/>
           </a:bodyPr>
           <a:lstStyle/>
           <a:p>
-            <a:r>
-              <a:rPr lang="en-US" sz="1200" dirty="0"/>
-              <a:t>DAO Attack</a:t>
-            </a:r>
-          </a:p>
-        </p:txBody>
-      </p:sp>
-      <p:cxnSp>
-        <p:nvCxnSpPr>
-          <p:cNvPr id="10" name="Straight Arrow Connector 9">
-            <a:extLst>
-              <a:ext uri="{FF2B5EF4-FFF2-40B4-BE49-F238E27FC236}">
-                <a16:creationId xmlns:a16="http://schemas.microsoft.com/office/drawing/2014/main" id="{326770A0-D080-4643-8D43-8C019D7BB5D0}"/>
-              </a:ext>
-            </a:extLst>
-          </p:cNvPr>
-          <p:cNvCxnSpPr>
-            <a:cxnSpLocks/>
-            <a:stCxn id="11" idx="2"/>
-          </p:cNvCxnSpPr>
-          <p:nvPr/>
-        </p:nvCxnSpPr>
-        <p:spPr>
-          <a:xfrm>
-            <a:off x="6096000" y="1870269"/>
-            <a:ext cx="332102" cy="314131"/>
-          </a:xfrm>
-          <a:prstGeom prst="straightConnector1">
-            <a:avLst/>
-          </a:prstGeom>
-          <a:ln>
-            <a:tailEnd type="triangle"/>
-          </a:ln>
-        </p:spPr>
-        <p:style>
-          <a:lnRef idx="1">
-            <a:schemeClr val="accent1"/>
-          </a:lnRef>
-          <a:fillRef idx="0">
-            <a:schemeClr val="accent1"/>
-          </a:fillRef>
-          <a:effectRef idx="0">
-            <a:schemeClr val="accent1"/>
-          </a:effectRef>
-          <a:fontRef idx="minor">
-            <a:schemeClr val="tx1"/>
-          </a:fontRef>
-        </p:style>
-      </p:cxnSp>
-      <p:sp>
-        <p:nvSpPr>
-          <p:cNvPr id="11" name="TextBox 10">
-            <a:extLst>
-              <a:ext uri="{FF2B5EF4-FFF2-40B4-BE49-F238E27FC236}">
-                <a16:creationId xmlns:a16="http://schemas.microsoft.com/office/drawing/2014/main" id="{8573016E-B5A7-46A4-914B-0936CDD010A7}"/>
-              </a:ext>
-            </a:extLst>
-          </p:cNvPr>
-          <p:cNvSpPr txBox="1"/>
-          <p:nvPr/>
-        </p:nvSpPr>
-        <p:spPr>
-          <a:xfrm>
-            <a:off x="5602719" y="1593270"/>
-            <a:ext cx="986561" cy="276999"/>
-          </a:xfrm>
-          <a:prstGeom prst="rect">
-            <a:avLst/>
-          </a:prstGeom>
-          <a:noFill/>
-          <a:ln>
-            <a:solidFill>
-              <a:schemeClr val="tx1"/>
-            </a:solidFill>
-          </a:ln>
-        </p:spPr>
-        <p:txBody>
-          <a:bodyPr wrap="square" rtlCol="0">
-            <a:spAutoFit/>
-          </a:bodyPr>
-          <a:lstStyle/>
-          <a:p>
-            <a:r>
-              <a:rPr lang="en-US" sz="1200" dirty="0"/>
-              <a:t>DAO Attack</a:t>
-            </a:r>
-          </a:p>
-        </p:txBody>
-      </p:sp>
-      <p:cxnSp>
-        <p:nvCxnSpPr>
-          <p:cNvPr id="12" name="Straight Arrow Connector 11">
-            <a:extLst>
-              <a:ext uri="{FF2B5EF4-FFF2-40B4-BE49-F238E27FC236}">
-                <a16:creationId xmlns:a16="http://schemas.microsoft.com/office/drawing/2014/main" id="{16F24F69-0BC1-46A3-A71B-58F9EC119295}"/>
-              </a:ext>
-            </a:extLst>
-          </p:cNvPr>
-          <p:cNvCxnSpPr>
-            <a:cxnSpLocks/>
-            <a:stCxn id="13" idx="2"/>
-          </p:cNvCxnSpPr>
-          <p:nvPr/>
-        </p:nvCxnSpPr>
-        <p:spPr>
-          <a:xfrm>
-            <a:off x="3393854" y="1870269"/>
-            <a:ext cx="332102" cy="314131"/>
-          </a:xfrm>
-          <a:prstGeom prst="straightConnector1">
-            <a:avLst/>
-          </a:prstGeom>
-          <a:ln>
-            <a:tailEnd type="triangle"/>
-          </a:ln>
-        </p:spPr>
-        <p:style>
-          <a:lnRef idx="1">
-            <a:schemeClr val="accent1"/>
-          </a:lnRef>
-          <a:fillRef idx="0">
-            <a:schemeClr val="accent1"/>
-          </a:fillRef>
-          <a:effectRef idx="0">
-            <a:schemeClr val="accent1"/>
-          </a:effectRef>
-          <a:fontRef idx="minor">
-            <a:schemeClr val="tx1"/>
-          </a:fontRef>
-        </p:style>
-      </p:cxnSp>
-      <p:sp>
-        <p:nvSpPr>
-          <p:cNvPr id="13" name="TextBox 12">
-            <a:extLst>
-              <a:ext uri="{FF2B5EF4-FFF2-40B4-BE49-F238E27FC236}">
-                <a16:creationId xmlns:a16="http://schemas.microsoft.com/office/drawing/2014/main" id="{B7A328A2-EEAE-4451-8054-951EFDAC880E}"/>
-              </a:ext>
-            </a:extLst>
-          </p:cNvPr>
-          <p:cNvSpPr txBox="1"/>
-          <p:nvPr/>
-        </p:nvSpPr>
-        <p:spPr>
-          <a:xfrm>
-            <a:off x="2900573" y="1593270"/>
-            <a:ext cx="986561" cy="276999"/>
-          </a:xfrm>
-          <a:prstGeom prst="rect">
-            <a:avLst/>
-          </a:prstGeom>
-          <a:noFill/>
-          <a:ln>
-            <a:solidFill>
-              <a:schemeClr val="tx1"/>
-            </a:solidFill>
-          </a:ln>
-        </p:spPr>
-        <p:txBody>
-          <a:bodyPr wrap="square" rtlCol="0">
-            <a:spAutoFit/>
-          </a:bodyPr>
-          <a:lstStyle/>
-          <a:p>
-            <a:r>
-              <a:rPr lang="en-US" sz="1200" dirty="0"/>
-              <a:t>51% Attack</a:t>
-            </a:r>
-          </a:p>
-        </p:txBody>
-      </p:sp>
-      <p:cxnSp>
-        <p:nvCxnSpPr>
-          <p:cNvPr id="14" name="Straight Arrow Connector 13">
-            <a:extLst>
-              <a:ext uri="{FF2B5EF4-FFF2-40B4-BE49-F238E27FC236}">
-                <a16:creationId xmlns:a16="http://schemas.microsoft.com/office/drawing/2014/main" id="{94D4EE5C-FF35-48D8-919B-3860E19E1BB0}"/>
-              </a:ext>
-            </a:extLst>
-          </p:cNvPr>
-          <p:cNvCxnSpPr>
-            <a:cxnSpLocks/>
-            <a:stCxn id="15" idx="2"/>
-          </p:cNvCxnSpPr>
-          <p:nvPr/>
-        </p:nvCxnSpPr>
-        <p:spPr>
-          <a:xfrm>
-            <a:off x="8086717" y="1870269"/>
-            <a:ext cx="332102" cy="314131"/>
-          </a:xfrm>
-          <a:prstGeom prst="straightConnector1">
-            <a:avLst/>
-          </a:prstGeom>
-          <a:ln>
-            <a:tailEnd type="triangle"/>
-          </a:ln>
-        </p:spPr>
-        <p:style>
-          <a:lnRef idx="1">
-            <a:schemeClr val="accent1"/>
-          </a:lnRef>
-          <a:fillRef idx="0">
-            <a:schemeClr val="accent1"/>
-          </a:fillRef>
-          <a:effectRef idx="0">
-            <a:schemeClr val="accent1"/>
-          </a:effectRef>
-          <a:fontRef idx="minor">
-            <a:schemeClr val="tx1"/>
-          </a:fontRef>
-        </p:style>
-      </p:cxnSp>
-      <p:sp>
-        <p:nvSpPr>
-          <p:cNvPr id="15" name="TextBox 14">
-            <a:extLst>
-              <a:ext uri="{FF2B5EF4-FFF2-40B4-BE49-F238E27FC236}">
-                <a16:creationId xmlns:a16="http://schemas.microsoft.com/office/drawing/2014/main" id="{F93D4D41-1C7A-425A-A9CC-4B13C7D05918}"/>
-              </a:ext>
-            </a:extLst>
-          </p:cNvPr>
-          <p:cNvSpPr txBox="1"/>
-          <p:nvPr/>
-        </p:nvSpPr>
-        <p:spPr>
-          <a:xfrm>
-            <a:off x="7593436" y="1593270"/>
-            <a:ext cx="986561" cy="276999"/>
-          </a:xfrm>
-          <a:prstGeom prst="rect">
-            <a:avLst/>
-          </a:prstGeom>
-          <a:noFill/>
-          <a:ln>
-            <a:solidFill>
-              <a:schemeClr val="tx1"/>
-            </a:solidFill>
-          </a:ln>
-        </p:spPr>
-        <p:txBody>
-          <a:bodyPr wrap="square" rtlCol="0">
-            <a:spAutoFit/>
-          </a:bodyPr>
-          <a:lstStyle/>
-          <a:p>
-            <a:r>
-              <a:rPr lang="en-US" sz="1200" dirty="0"/>
-              <a:t>51% Attack</a:t>
-            </a:r>
+            <a:pPr lvl="1"/>
+            <a:r>
+              <a:rPr lang="en-US" sz="2400" dirty="0"/>
+              <a:t>For a proof of concept Neural Network, implement a binary classification model rather than multi-classification model</a:t>
+            </a:r>
+          </a:p>
+          <a:p>
+            <a:pPr lvl="2"/>
+            <a:r>
+              <a:rPr lang="en-US" sz="2000" dirty="0"/>
+              <a:t>Eliminates the need of the </a:t>
+            </a:r>
+            <a:r>
+              <a:rPr lang="en-US" sz="2000" dirty="0" err="1"/>
+              <a:t>Softmax</a:t>
+            </a:r>
+            <a:r>
+              <a:rPr lang="en-US" sz="2000" dirty="0"/>
+              <a:t> Activation Function</a:t>
+            </a:r>
+          </a:p>
+          <a:p>
+            <a:pPr lvl="1"/>
+            <a:r>
+              <a:rPr lang="en-US" sz="2400" dirty="0"/>
+              <a:t>Implementing an IEEE Int64 Field element would have advantages over the scaled representation</a:t>
+            </a:r>
+          </a:p>
+          <a:p>
+            <a:pPr lvl="2"/>
+            <a:r>
+              <a:rPr lang="en-US" sz="2000" dirty="0"/>
+              <a:t>Multiplication of two scaled elements could lead to a failure in the boundary checking of the Int65</a:t>
+            </a:r>
+          </a:p>
+          <a:p>
+            <a:pPr lvl="2"/>
+            <a:r>
+              <a:rPr lang="en-US" sz="2000" dirty="0"/>
+              <a:t>Multiplication of two scaled elements required division by the scale factor and can compound rounding errors in large and complex operations</a:t>
+            </a:r>
+          </a:p>
+          <a:p>
+            <a:endParaRPr lang="en-US" sz="2800" dirty="0"/>
+          </a:p>
+          <a:p>
+            <a:pPr marL="0" indent="0">
+              <a:buNone/>
+            </a:pPr>
+            <a:endParaRPr lang="en-US" sz="2000" dirty="0"/>
           </a:p>
         </p:txBody>
       </p:sp>
     </p:spTree>
     <p:extLst>
       <p:ext uri="{BB962C8B-B14F-4D97-AF65-F5344CB8AC3E}">
-        <p14:creationId xmlns:p14="http://schemas.microsoft.com/office/powerpoint/2010/main" val="3191410613"/>
+        <p14:creationId xmlns:p14="http://schemas.microsoft.com/office/powerpoint/2010/main" val="1772574826"/>
       </p:ext>
     </p:extLst>
   </p:cSld>
@@ -7115,7 +7253,7 @@
           <p:cNvPr id="2" name="Title 1">
             <a:extLst>
               <a:ext uri="{FF2B5EF4-FFF2-40B4-BE49-F238E27FC236}">
-                <a16:creationId xmlns:a16="http://schemas.microsoft.com/office/drawing/2014/main" id="{579699A8-318C-4F1E-A9DB-84CE8B2AB030}"/>
+                <a16:creationId xmlns:a16="http://schemas.microsoft.com/office/drawing/2014/main" id="{9D955803-B7B9-427A-B256-2D11049694B9}"/>
               </a:ext>
             </a:extLst>
           </p:cNvPr>
@@ -7133,373 +7271,101 @@
           <a:p>
             <a:r>
               <a:rPr lang="en-US" dirty="0"/>
-              <a:t>Visualization of Normalization</a:t>
-            </a:r>
-          </a:p>
-        </p:txBody>
-      </p:sp>
-      <p:pic>
-        <p:nvPicPr>
-          <p:cNvPr id="7" name="Picture 6">
+              <a:t>References</a:t>
+            </a:r>
+          </a:p>
+        </p:txBody>
+      </p:sp>
+      <p:sp>
+        <p:nvSpPr>
+          <p:cNvPr id="3" name="Content Placeholder 2">
             <a:extLst>
               <a:ext uri="{FF2B5EF4-FFF2-40B4-BE49-F238E27FC236}">
-                <a16:creationId xmlns:a16="http://schemas.microsoft.com/office/drawing/2014/main" id="{2843482F-68B3-4411-B28E-4586027539BC}"/>
+                <a16:creationId xmlns:a16="http://schemas.microsoft.com/office/drawing/2014/main" id="{659C99D8-C9BE-49FD-83A0-034246C22788}"/>
               </a:ext>
             </a:extLst>
           </p:cNvPr>
-          <p:cNvPicPr>
-            <a:picLocks noChangeAspect="1"/>
-          </p:cNvPicPr>
-          <p:nvPr/>
-        </p:nvPicPr>
-        <p:blipFill>
-          <a:blip r:embed="rId2"/>
-          <a:stretch>
-            <a:fillRect/>
-          </a:stretch>
-        </p:blipFill>
+          <p:cNvSpPr>
+            <a:spLocks noGrp="1"/>
+          </p:cNvSpPr>
+          <p:nvPr>
+            <p:ph idx="1"/>
+          </p:nvPr>
+        </p:nvSpPr>
         <p:spPr>
           <a:xfrm>
-            <a:off x="405831" y="1930400"/>
-            <a:ext cx="8868171" cy="3866987"/>
+            <a:off x="656221" y="1670645"/>
+            <a:ext cx="9094270" cy="4303197"/>
           </a:xfrm>
-          <a:prstGeom prst="rect">
-            <a:avLst/>
-          </a:prstGeom>
         </p:spPr>
-      </p:pic>
-      <p:cxnSp>
-        <p:nvCxnSpPr>
-          <p:cNvPr id="6" name="Straight Arrow Connector 5">
-            <a:extLst>
-              <a:ext uri="{FF2B5EF4-FFF2-40B4-BE49-F238E27FC236}">
-                <a16:creationId xmlns:a16="http://schemas.microsoft.com/office/drawing/2014/main" id="{41A0B8F7-38A3-40F5-A982-8B479695E0D5}"/>
-              </a:ext>
-            </a:extLst>
-          </p:cNvPr>
-          <p:cNvCxnSpPr>
-            <a:cxnSpLocks/>
-            <a:stCxn id="9" idx="2"/>
-          </p:cNvCxnSpPr>
-          <p:nvPr/>
-        </p:nvCxnSpPr>
-        <p:spPr>
-          <a:xfrm>
-            <a:off x="1530220" y="1870269"/>
-            <a:ext cx="332102" cy="314131"/>
-          </a:xfrm>
-          <a:prstGeom prst="straightConnector1">
-            <a:avLst/>
-          </a:prstGeom>
-          <a:ln>
-            <a:tailEnd type="triangle"/>
-          </a:ln>
-        </p:spPr>
-        <p:style>
-          <a:lnRef idx="1">
-            <a:schemeClr val="accent1"/>
-          </a:lnRef>
-          <a:fillRef idx="0">
-            <a:schemeClr val="accent1"/>
-          </a:fillRef>
-          <a:effectRef idx="0">
-            <a:schemeClr val="accent1"/>
-          </a:effectRef>
-          <a:fontRef idx="minor">
-            <a:schemeClr val="tx1"/>
-          </a:fontRef>
-        </p:style>
-      </p:cxnSp>
-      <p:sp>
-        <p:nvSpPr>
-          <p:cNvPr id="9" name="TextBox 8">
-            <a:extLst>
-              <a:ext uri="{FF2B5EF4-FFF2-40B4-BE49-F238E27FC236}">
-                <a16:creationId xmlns:a16="http://schemas.microsoft.com/office/drawing/2014/main" id="{D8EC4082-846A-4F48-BCEC-44BD097E0D72}"/>
-              </a:ext>
-            </a:extLst>
-          </p:cNvPr>
-          <p:cNvSpPr txBox="1"/>
-          <p:nvPr/>
-        </p:nvSpPr>
-        <p:spPr>
-          <a:xfrm>
-            <a:off x="1036939" y="1593270"/>
-            <a:ext cx="986561" cy="276999"/>
-          </a:xfrm>
-          <a:prstGeom prst="rect">
-            <a:avLst/>
-          </a:prstGeom>
-          <a:noFill/>
-          <a:ln>
-            <a:solidFill>
-              <a:schemeClr val="tx1"/>
-            </a:solidFill>
-          </a:ln>
-        </p:spPr>
-        <p:txBody>
-          <a:bodyPr wrap="square" rtlCol="0">
-            <a:spAutoFit/>
+        <p:txBody>
+          <a:bodyPr>
+            <a:normAutofit/>
           </a:bodyPr>
           <a:lstStyle/>
           <a:p>
-            <a:r>
-              <a:rPr lang="en-US" sz="1200" dirty="0"/>
-              <a:t>DAO Attack</a:t>
-            </a:r>
-          </a:p>
-        </p:txBody>
-      </p:sp>
-      <p:cxnSp>
-        <p:nvCxnSpPr>
-          <p:cNvPr id="11" name="Straight Arrow Connector 10">
-            <a:extLst>
-              <a:ext uri="{FF2B5EF4-FFF2-40B4-BE49-F238E27FC236}">
-                <a16:creationId xmlns:a16="http://schemas.microsoft.com/office/drawing/2014/main" id="{0E46DFBF-46A2-4549-A9B6-6E29CA5D5C32}"/>
-              </a:ext>
-            </a:extLst>
-          </p:cNvPr>
-          <p:cNvCxnSpPr>
-            <a:cxnSpLocks/>
-            <a:stCxn id="12" idx="2"/>
-          </p:cNvCxnSpPr>
-          <p:nvPr/>
-        </p:nvCxnSpPr>
-        <p:spPr>
-          <a:xfrm>
-            <a:off x="6040014" y="1872861"/>
-            <a:ext cx="332102" cy="314131"/>
-          </a:xfrm>
-          <a:prstGeom prst="straightConnector1">
-            <a:avLst/>
-          </a:prstGeom>
-          <a:ln>
-            <a:tailEnd type="triangle"/>
-          </a:ln>
-        </p:spPr>
-        <p:style>
-          <a:lnRef idx="1">
-            <a:schemeClr val="accent1"/>
-          </a:lnRef>
-          <a:fillRef idx="0">
-            <a:schemeClr val="accent1"/>
-          </a:fillRef>
-          <a:effectRef idx="0">
-            <a:schemeClr val="accent1"/>
-          </a:effectRef>
-          <a:fontRef idx="minor">
-            <a:schemeClr val="tx1"/>
-          </a:fontRef>
-        </p:style>
-      </p:cxnSp>
-      <p:sp>
-        <p:nvSpPr>
-          <p:cNvPr id="12" name="TextBox 11">
-            <a:extLst>
-              <a:ext uri="{FF2B5EF4-FFF2-40B4-BE49-F238E27FC236}">
-                <a16:creationId xmlns:a16="http://schemas.microsoft.com/office/drawing/2014/main" id="{B9E6A90D-EC4C-47B9-8552-A9BF2788542D}"/>
-              </a:ext>
-            </a:extLst>
-          </p:cNvPr>
-          <p:cNvSpPr txBox="1"/>
-          <p:nvPr/>
-        </p:nvSpPr>
-        <p:spPr>
-          <a:xfrm>
-            <a:off x="5546733" y="1595862"/>
-            <a:ext cx="986561" cy="276999"/>
-          </a:xfrm>
-          <a:prstGeom prst="rect">
-            <a:avLst/>
-          </a:prstGeom>
-          <a:noFill/>
-          <a:ln>
-            <a:solidFill>
-              <a:schemeClr val="tx1"/>
-            </a:solidFill>
-          </a:ln>
-        </p:spPr>
-        <p:txBody>
-          <a:bodyPr wrap="square" rtlCol="0">
-            <a:spAutoFit/>
-          </a:bodyPr>
-          <a:lstStyle/>
-          <a:p>
-            <a:r>
-              <a:rPr lang="en-US" sz="1200" dirty="0"/>
-              <a:t>DAO Attack</a:t>
-            </a:r>
-          </a:p>
-        </p:txBody>
-      </p:sp>
-      <p:cxnSp>
-        <p:nvCxnSpPr>
-          <p:cNvPr id="8" name="Straight Arrow Connector 7">
-            <a:extLst>
-              <a:ext uri="{FF2B5EF4-FFF2-40B4-BE49-F238E27FC236}">
-                <a16:creationId xmlns:a16="http://schemas.microsoft.com/office/drawing/2014/main" id="{7E27E785-182D-4535-8683-F0CD3F768A30}"/>
-              </a:ext>
-            </a:extLst>
-          </p:cNvPr>
-          <p:cNvCxnSpPr>
-            <a:cxnSpLocks/>
-            <a:stCxn id="10" idx="2"/>
-          </p:cNvCxnSpPr>
-          <p:nvPr/>
-        </p:nvCxnSpPr>
-        <p:spPr>
-          <a:xfrm>
-            <a:off x="3393854" y="1870269"/>
-            <a:ext cx="332102" cy="314131"/>
-          </a:xfrm>
-          <a:prstGeom prst="straightConnector1">
-            <a:avLst/>
-          </a:prstGeom>
-          <a:ln>
-            <a:tailEnd type="triangle"/>
-          </a:ln>
-        </p:spPr>
-        <p:style>
-          <a:lnRef idx="1">
-            <a:schemeClr val="accent1"/>
-          </a:lnRef>
-          <a:fillRef idx="0">
-            <a:schemeClr val="accent1"/>
-          </a:fillRef>
-          <a:effectRef idx="0">
-            <a:schemeClr val="accent1"/>
-          </a:effectRef>
-          <a:fontRef idx="minor">
-            <a:schemeClr val="tx1"/>
-          </a:fontRef>
-        </p:style>
-      </p:cxnSp>
-      <p:sp>
-        <p:nvSpPr>
-          <p:cNvPr id="10" name="TextBox 9">
-            <a:extLst>
-              <a:ext uri="{FF2B5EF4-FFF2-40B4-BE49-F238E27FC236}">
-                <a16:creationId xmlns:a16="http://schemas.microsoft.com/office/drawing/2014/main" id="{16EA3EE0-811F-49D2-87E7-67D641721128}"/>
-              </a:ext>
-            </a:extLst>
-          </p:cNvPr>
-          <p:cNvSpPr txBox="1"/>
-          <p:nvPr/>
-        </p:nvSpPr>
-        <p:spPr>
-          <a:xfrm>
-            <a:off x="2900573" y="1593270"/>
-            <a:ext cx="986561" cy="276999"/>
-          </a:xfrm>
-          <a:prstGeom prst="rect">
-            <a:avLst/>
-          </a:prstGeom>
-          <a:noFill/>
-          <a:ln>
-            <a:solidFill>
-              <a:schemeClr val="tx1"/>
-            </a:solidFill>
-          </a:ln>
-        </p:spPr>
-        <p:txBody>
-          <a:bodyPr wrap="square" rtlCol="0">
-            <a:spAutoFit/>
-          </a:bodyPr>
-          <a:lstStyle/>
-          <a:p>
-            <a:r>
-              <a:rPr lang="en-US" sz="1200" dirty="0"/>
-              <a:t>51% Attack</a:t>
-            </a:r>
-          </a:p>
-        </p:txBody>
-      </p:sp>
-      <p:cxnSp>
-        <p:nvCxnSpPr>
-          <p:cNvPr id="13" name="Straight Arrow Connector 12">
-            <a:extLst>
-              <a:ext uri="{FF2B5EF4-FFF2-40B4-BE49-F238E27FC236}">
-                <a16:creationId xmlns:a16="http://schemas.microsoft.com/office/drawing/2014/main" id="{4E1D3E9B-490F-443D-BD75-1AA717E3EC59}"/>
-              </a:ext>
-            </a:extLst>
-          </p:cNvPr>
-          <p:cNvCxnSpPr>
-            <a:cxnSpLocks/>
-            <a:stCxn id="14" idx="2"/>
-          </p:cNvCxnSpPr>
-          <p:nvPr/>
-        </p:nvCxnSpPr>
-        <p:spPr>
-          <a:xfrm>
-            <a:off x="7988169" y="1870269"/>
-            <a:ext cx="332102" cy="314131"/>
-          </a:xfrm>
-          <a:prstGeom prst="straightConnector1">
-            <a:avLst/>
-          </a:prstGeom>
-          <a:ln>
-            <a:tailEnd type="triangle"/>
-          </a:ln>
-        </p:spPr>
-        <p:style>
-          <a:lnRef idx="1">
-            <a:schemeClr val="accent1"/>
-          </a:lnRef>
-          <a:fillRef idx="0">
-            <a:schemeClr val="accent1"/>
-          </a:fillRef>
-          <a:effectRef idx="0">
-            <a:schemeClr val="accent1"/>
-          </a:effectRef>
-          <a:fontRef idx="minor">
-            <a:schemeClr val="tx1"/>
-          </a:fontRef>
-        </p:style>
-      </p:cxnSp>
-      <p:sp>
-        <p:nvSpPr>
-          <p:cNvPr id="14" name="TextBox 13">
-            <a:extLst>
-              <a:ext uri="{FF2B5EF4-FFF2-40B4-BE49-F238E27FC236}">
-                <a16:creationId xmlns:a16="http://schemas.microsoft.com/office/drawing/2014/main" id="{3BF9E2B9-3AAC-44D8-AFA1-79E97533FB76}"/>
-              </a:ext>
-            </a:extLst>
-          </p:cNvPr>
-          <p:cNvSpPr txBox="1"/>
-          <p:nvPr/>
-        </p:nvSpPr>
-        <p:spPr>
-          <a:xfrm>
-            <a:off x="7494888" y="1593270"/>
-            <a:ext cx="986561" cy="276999"/>
-          </a:xfrm>
-          <a:prstGeom prst="rect">
-            <a:avLst/>
-          </a:prstGeom>
-          <a:noFill/>
-          <a:ln>
-            <a:solidFill>
-              <a:schemeClr val="tx1"/>
-            </a:solidFill>
-          </a:ln>
-        </p:spPr>
-        <p:txBody>
-          <a:bodyPr wrap="square" rtlCol="0">
-            <a:spAutoFit/>
-          </a:bodyPr>
-          <a:lstStyle/>
-          <a:p>
-            <a:r>
-              <a:rPr lang="en-US" sz="1200" dirty="0"/>
-              <a:t>51% Attack</a:t>
-            </a:r>
+            <a:pPr lvl="1"/>
+            <a:r>
+              <a:rPr lang="en-US" sz="2000" dirty="0" err="1"/>
+              <a:t>Github</a:t>
+            </a:r>
+            <a:r>
+              <a:rPr lang="en-US" sz="2000" dirty="0"/>
+              <a:t>: </a:t>
+            </a:r>
+            <a:r>
+              <a:rPr lang="en-US" sz="2000" dirty="0">
+                <a:hlinkClick r:id="rId2"/>
+              </a:rPr>
+              <a:t>https://github.com/Makalfo/SnarkyNet-MNIST-Digits</a:t>
+            </a:r>
+            <a:r>
+              <a:rPr lang="en-US" sz="2000" dirty="0"/>
+              <a:t> </a:t>
+            </a:r>
+          </a:p>
+          <a:p>
+            <a:pPr lvl="1"/>
+            <a:r>
+              <a:rPr lang="en-US" sz="2000" dirty="0"/>
+              <a:t>MNIST Handwritten Digits: </a:t>
+            </a:r>
+            <a:r>
+              <a:rPr lang="en-US" sz="1800" dirty="0">
+                <a:hlinkClick r:id="rId3"/>
+              </a:rPr>
+              <a:t>http://yann.lecun.com/exdb/mnist/</a:t>
+            </a:r>
+            <a:r>
+              <a:rPr lang="en-US" sz="1800" dirty="0"/>
+              <a:t> </a:t>
+            </a:r>
+          </a:p>
+          <a:p>
+            <a:pPr lvl="2"/>
+            <a:endParaRPr lang="en-US" sz="1800" dirty="0"/>
+          </a:p>
+          <a:p>
+            <a:pPr marL="914400" lvl="2" indent="0">
+              <a:buNone/>
+            </a:pPr>
+            <a:endParaRPr lang="en-US" sz="1800" dirty="0"/>
+          </a:p>
+          <a:p>
+            <a:endParaRPr lang="en-US" sz="2400" dirty="0"/>
+          </a:p>
+          <a:p>
+            <a:pPr marL="0" indent="0">
+              <a:buNone/>
+            </a:pPr>
+            <a:endParaRPr lang="en-US" dirty="0"/>
           </a:p>
         </p:txBody>
       </p:sp>
     </p:spTree>
     <p:extLst>
       <p:ext uri="{BB962C8B-B14F-4D97-AF65-F5344CB8AC3E}">
-        <p14:creationId xmlns:p14="http://schemas.microsoft.com/office/powerpoint/2010/main" val="4012950529"/>
+        <p14:creationId xmlns:p14="http://schemas.microsoft.com/office/powerpoint/2010/main" val="3849005337"/>
       </p:ext>
     </p:extLst>
   </p:cSld>
@@ -7528,10 +7394,10 @@
       </p:grpSpPr>
       <p:sp>
         <p:nvSpPr>
-          <p:cNvPr id="2" name="Title 1">
+          <p:cNvPr id="3" name="Content Placeholder 2">
             <a:extLst>
               <a:ext uri="{FF2B5EF4-FFF2-40B4-BE49-F238E27FC236}">
-                <a16:creationId xmlns:a16="http://schemas.microsoft.com/office/drawing/2014/main" id="{8EBB4177-B7E6-4BAD-8086-A49741BC1170}"/>
+                <a16:creationId xmlns:a16="http://schemas.microsoft.com/office/drawing/2014/main" id="{659C99D8-C9BE-49FD-83A0-034246C22788}"/>
               </a:ext>
             </a:extLst>
           </p:cNvPr>
@@ -7539,1471 +7405,55 @@
             <a:spLocks noGrp="1"/>
           </p:cNvSpPr>
           <p:nvPr>
-            <p:ph type="title"/>
-          </p:nvPr>
-        </p:nvSpPr>
-        <p:spPr/>
-        <p:txBody>
-          <a:bodyPr/>
-          <a:lstStyle/>
-          <a:p>
-            <a:r>
-              <a:rPr lang="en-US" dirty="0"/>
-              <a:t>Training and Test Data</a:t>
-            </a:r>
-          </a:p>
-        </p:txBody>
-      </p:sp>
-      <mc:AlternateContent xmlns:mc="http://schemas.openxmlformats.org/markup-compatibility/2006" xmlns:a14="http://schemas.microsoft.com/office/drawing/2010/main">
-        <mc:Choice Requires="a14">
-          <p:sp>
-            <p:nvSpPr>
-              <p:cNvPr id="3" name="Content Placeholder 2">
-                <a:extLst>
-                  <a:ext uri="{FF2B5EF4-FFF2-40B4-BE49-F238E27FC236}">
-                    <a16:creationId xmlns:a16="http://schemas.microsoft.com/office/drawing/2014/main" id="{26219748-BD8A-474D-9132-3051FB9EEA64}"/>
-                  </a:ext>
-                </a:extLst>
-              </p:cNvPr>
-              <p:cNvSpPr>
-                <a:spLocks noGrp="1"/>
-              </p:cNvSpPr>
-              <p:nvPr>
-                <p:ph idx="1"/>
-              </p:nvPr>
-            </p:nvSpPr>
-            <p:spPr>
-              <a:xfrm>
-                <a:off x="677334" y="1670181"/>
-                <a:ext cx="8596668" cy="4371182"/>
-              </a:xfrm>
-            </p:spPr>
-            <p:txBody>
-              <a:bodyPr/>
-              <a:lstStyle/>
-              <a:p>
-                <a:r>
-                  <a:rPr lang="en-US" dirty="0"/>
-                  <a:t>DAO Attack:</a:t>
-                </a:r>
-              </a:p>
-              <a:p>
-                <a:pPr lvl="1"/>
-                <a:r>
-                  <a:rPr lang="en-US" dirty="0"/>
-                  <a:t>Training data </a:t>
-                </a:r>
-                <a14:m>
-                  <m:oMath xmlns:m="http://schemas.openxmlformats.org/officeDocument/2006/math">
-                    <m:sSub>
-                      <m:sSubPr>
-                        <m:ctrlPr>
-                          <a:rPr lang="en-US" i="1" smtClean="0">
-                            <a:latin typeface="Cambria Math" panose="02040503050406030204" pitchFamily="18" charset="0"/>
-                          </a:rPr>
-                        </m:ctrlPr>
-                      </m:sSubPr>
-                      <m:e>
-                        <m:r>
-                          <a:rPr lang="en-US" b="0" i="1" smtClean="0">
-                            <a:latin typeface="Cambria Math" panose="02040503050406030204" pitchFamily="18" charset="0"/>
-                          </a:rPr>
-                          <m:t>𝐷</m:t>
-                        </m:r>
-                      </m:e>
-                      <m:sub>
-                        <m:r>
-                          <a:rPr lang="en-US" b="0" i="1" smtClean="0">
-                            <a:latin typeface="Cambria Math" panose="02040503050406030204" pitchFamily="18" charset="0"/>
-                          </a:rPr>
-                          <m:t>1</m:t>
-                        </m:r>
-                      </m:sub>
-                    </m:sSub>
-                  </m:oMath>
-                </a14:m>
-                <a:r>
-                  <a:rPr lang="en-US" dirty="0"/>
-                  <a:t> consisted of blocks from August 2015 to April 2016</a:t>
-                </a:r>
-              </a:p>
-              <a:p>
-                <a:pPr lvl="1"/>
-                <a:r>
-                  <a:rPr lang="en-US" dirty="0"/>
-                  <a:t>Test data </a:t>
-                </a:r>
-                <a14:m>
-                  <m:oMath xmlns:m="http://schemas.openxmlformats.org/officeDocument/2006/math">
-                    <m:sSub>
-                      <m:sSubPr>
-                        <m:ctrlPr>
-                          <a:rPr lang="en-US" i="1" smtClean="0">
-                            <a:latin typeface="Cambria Math" panose="02040503050406030204" pitchFamily="18" charset="0"/>
-                          </a:rPr>
-                        </m:ctrlPr>
-                      </m:sSubPr>
-                      <m:e>
-                        <m:r>
-                          <a:rPr lang="en-US" b="0" i="1" smtClean="0">
-                            <a:latin typeface="Cambria Math" panose="02040503050406030204" pitchFamily="18" charset="0"/>
-                          </a:rPr>
-                          <m:t>𝑇</m:t>
-                        </m:r>
-                      </m:e>
-                      <m:sub>
-                        <m:r>
-                          <a:rPr lang="en-US" b="0" i="1" smtClean="0">
-                            <a:latin typeface="Cambria Math" panose="02040503050406030204" pitchFamily="18" charset="0"/>
-                          </a:rPr>
-                          <m:t>1</m:t>
-                        </m:r>
-                      </m:sub>
-                    </m:sSub>
-                    <m:r>
-                      <a:rPr lang="en-US" b="0" i="1" smtClean="0">
-                        <a:latin typeface="Cambria Math" panose="02040503050406030204" pitchFamily="18" charset="0"/>
-                      </a:rPr>
-                      <m:t> </m:t>
-                    </m:r>
-                  </m:oMath>
-                </a14:m>
-                <a:r>
-                  <a:rPr lang="en-US" dirty="0"/>
-                  <a:t>consisted of blocks from April 2016 to July 2016</a:t>
-                </a:r>
-              </a:p>
-              <a:p>
-                <a:r>
-                  <a:rPr lang="en-US" dirty="0"/>
-                  <a:t>51% Attack:</a:t>
-                </a:r>
-              </a:p>
-              <a:p>
-                <a:pPr lvl="1"/>
-                <a:r>
-                  <a:rPr lang="en-US" dirty="0"/>
-                  <a:t>Training data </a:t>
-                </a:r>
-                <a14:m>
-                  <m:oMath xmlns:m="http://schemas.openxmlformats.org/officeDocument/2006/math">
-                    <m:sSub>
-                      <m:sSubPr>
-                        <m:ctrlPr>
-                          <a:rPr lang="en-US" i="1" smtClean="0">
-                            <a:latin typeface="Cambria Math" panose="02040503050406030204" pitchFamily="18" charset="0"/>
-                          </a:rPr>
-                        </m:ctrlPr>
-                      </m:sSubPr>
-                      <m:e>
-                        <m:r>
-                          <a:rPr lang="en-US" b="0" i="1" smtClean="0">
-                            <a:latin typeface="Cambria Math" panose="02040503050406030204" pitchFamily="18" charset="0"/>
-                          </a:rPr>
-                          <m:t>𝐷</m:t>
-                        </m:r>
-                      </m:e>
-                      <m:sub>
-                        <m:r>
-                          <a:rPr lang="en-US" b="0" i="1" smtClean="0">
-                            <a:latin typeface="Cambria Math" panose="02040503050406030204" pitchFamily="18" charset="0"/>
-                          </a:rPr>
-                          <m:t>2</m:t>
-                        </m:r>
-                      </m:sub>
-                    </m:sSub>
-                  </m:oMath>
-                </a14:m>
-                <a:r>
-                  <a:rPr lang="en-US" dirty="0"/>
-                  <a:t> consisted of blocks from July 2016 to November 2018</a:t>
-                </a:r>
-              </a:p>
-              <a:p>
-                <a:pPr lvl="1"/>
-                <a:r>
-                  <a:rPr lang="en-US" dirty="0"/>
-                  <a:t>Test data </a:t>
-                </a:r>
-                <a14:m>
-                  <m:oMath xmlns:m="http://schemas.openxmlformats.org/officeDocument/2006/math">
-                    <m:sSub>
-                      <m:sSubPr>
-                        <m:ctrlPr>
-                          <a:rPr lang="en-US" i="1" smtClean="0">
-                            <a:latin typeface="Cambria Math" panose="02040503050406030204" pitchFamily="18" charset="0"/>
-                          </a:rPr>
-                        </m:ctrlPr>
-                      </m:sSubPr>
-                      <m:e>
-                        <m:r>
-                          <a:rPr lang="en-US" b="0" i="1" smtClean="0">
-                            <a:latin typeface="Cambria Math" panose="02040503050406030204" pitchFamily="18" charset="0"/>
-                          </a:rPr>
-                          <m:t>𝑇</m:t>
-                        </m:r>
-                      </m:e>
-                      <m:sub>
-                        <m:r>
-                          <a:rPr lang="en-US" b="0" i="1" smtClean="0">
-                            <a:latin typeface="Cambria Math" panose="02040503050406030204" pitchFamily="18" charset="0"/>
-                          </a:rPr>
-                          <m:t>2</m:t>
-                        </m:r>
-                      </m:sub>
-                    </m:sSub>
-                    <m:r>
-                      <a:rPr lang="en-US" b="0" i="1" smtClean="0">
-                        <a:latin typeface="Cambria Math" panose="02040503050406030204" pitchFamily="18" charset="0"/>
-                      </a:rPr>
-                      <m:t> </m:t>
-                    </m:r>
-                  </m:oMath>
-                </a14:m>
-                <a:r>
-                  <a:rPr lang="en-US" dirty="0"/>
-                  <a:t>consisted of blocks from November 2018 to February 2019</a:t>
-                </a:r>
-              </a:p>
-            </p:txBody>
-          </p:sp>
-        </mc:Choice>
-        <mc:Fallback xmlns="">
-          <p:sp>
-            <p:nvSpPr>
-              <p:cNvPr id="3" name="Content Placeholder 2">
-                <a:extLst>
-                  <a:ext uri="{FF2B5EF4-FFF2-40B4-BE49-F238E27FC236}">
-                    <a16:creationId xmlns:a16="http://schemas.microsoft.com/office/drawing/2014/main" id="{26219748-BD8A-474D-9132-3051FB9EEA64}"/>
-                  </a:ext>
-                </a:extLst>
-              </p:cNvPr>
-              <p:cNvSpPr>
-                <a:spLocks noGrp="1" noRot="1" noChangeAspect="1" noMove="1" noResize="1" noEditPoints="1" noAdjustHandles="1" noChangeArrowheads="1" noChangeShapeType="1" noTextEdit="1"/>
-              </p:cNvSpPr>
-              <p:nvPr>
-                <p:ph idx="1"/>
-              </p:nvPr>
-            </p:nvSpPr>
-            <p:spPr>
-              <a:xfrm>
-                <a:off x="677334" y="1670181"/>
-                <a:ext cx="8596668" cy="4371182"/>
-              </a:xfrm>
-              <a:blipFill>
-                <a:blip r:embed="rId2"/>
-                <a:stretch>
-                  <a:fillRect l="-142" t="-976"/>
-                </a:stretch>
-              </a:blipFill>
-            </p:spPr>
-            <p:txBody>
-              <a:bodyPr/>
-              <a:lstStyle/>
-              <a:p>
-                <a:r>
-                  <a:rPr lang="en-US">
-                    <a:noFill/>
-                  </a:rPr>
-                  <a:t> </a:t>
-                </a:r>
-              </a:p>
-            </p:txBody>
-          </p:sp>
-        </mc:Fallback>
-      </mc:AlternateContent>
-      <p:pic>
-        <p:nvPicPr>
-          <p:cNvPr id="5" name="Picture 4">
-            <a:extLst>
-              <a:ext uri="{FF2B5EF4-FFF2-40B4-BE49-F238E27FC236}">
-                <a16:creationId xmlns:a16="http://schemas.microsoft.com/office/drawing/2014/main" id="{9B72B69A-434F-4E86-BD30-D823F5B1F3B6}"/>
-              </a:ext>
-            </a:extLst>
-          </p:cNvPr>
-          <p:cNvPicPr>
-            <a:picLocks noChangeAspect="1"/>
-          </p:cNvPicPr>
-          <p:nvPr/>
-        </p:nvPicPr>
-        <p:blipFill>
-          <a:blip r:embed="rId3"/>
-          <a:stretch>
-            <a:fillRect/>
-          </a:stretch>
-        </p:blipFill>
+            <p:ph idx="1"/>
+          </p:nvPr>
+        </p:nvSpPr>
         <p:spPr>
           <a:xfrm>
-            <a:off x="2218066" y="4079626"/>
-            <a:ext cx="5515203" cy="1961737"/>
+            <a:off x="656221" y="1670645"/>
+            <a:ext cx="9094270" cy="4303197"/>
           </a:xfrm>
-          <a:prstGeom prst="rect">
-            <a:avLst/>
-          </a:prstGeom>
         </p:spPr>
-      </p:pic>
+        <p:txBody>
+          <a:bodyPr>
+            <a:normAutofit/>
+          </a:bodyPr>
+          <a:lstStyle/>
+          <a:p>
+            <a:pPr lvl="1" algn="ctr"/>
+            <a:endParaRPr lang="en-US" sz="4000" dirty="0"/>
+          </a:p>
+          <a:p>
+            <a:pPr marL="914400" lvl="2" indent="0" algn="ctr">
+              <a:buNone/>
+            </a:pPr>
+            <a:endParaRPr lang="en-US" sz="4000" dirty="0"/>
+          </a:p>
+          <a:p>
+            <a:pPr marL="914400" lvl="2" indent="0" algn="ctr">
+              <a:buNone/>
+            </a:pPr>
+            <a:r>
+              <a:rPr lang="en-US" sz="4000" dirty="0"/>
+              <a:t>Questions?</a:t>
+            </a:r>
+          </a:p>
+          <a:p>
+            <a:pPr algn="ctr"/>
+            <a:endParaRPr lang="en-US" sz="4800" dirty="0"/>
+          </a:p>
+          <a:p>
+            <a:pPr marL="0" indent="0" algn="ctr">
+              <a:buNone/>
+            </a:pPr>
+            <a:endParaRPr lang="en-US" sz="4000" dirty="0"/>
+          </a:p>
+        </p:txBody>
+      </p:sp>
     </p:spTree>
     <p:extLst>
       <p:ext uri="{BB962C8B-B14F-4D97-AF65-F5344CB8AC3E}">
-        <p14:creationId xmlns:p14="http://schemas.microsoft.com/office/powerpoint/2010/main" val="1873863572"/>
-      </p:ext>
-    </p:extLst>
-  </p:cSld>
-  <p:clrMapOvr>
-    <a:masterClrMapping/>
-  </p:clrMapOvr>
-</p:sld>
-</file>
-
-<file path=ppt/slides/slide16.xml><?xml version="1.0" encoding="utf-8"?>
-<p:sld xmlns:a="http://schemas.openxmlformats.org/drawingml/2006/main" xmlns:r="http://schemas.openxmlformats.org/officeDocument/2006/relationships" xmlns:p="http://schemas.openxmlformats.org/presentationml/2006/main">
-  <p:cSld>
-    <p:spTree>
-      <p:nvGrpSpPr>
-        <p:cNvPr id="1" name=""/>
-        <p:cNvGrpSpPr/>
-        <p:nvPr/>
-      </p:nvGrpSpPr>
-      <p:grpSpPr>
-        <a:xfrm>
-          <a:off x="0" y="0"/>
-          <a:ext cx="0" cy="0"/>
-          <a:chOff x="0" y="0"/>
-          <a:chExt cx="0" cy="0"/>
-        </a:xfrm>
-      </p:grpSpPr>
-      <p:sp>
-        <p:nvSpPr>
-          <p:cNvPr id="2" name="Title 1">
-            <a:extLst>
-              <a:ext uri="{FF2B5EF4-FFF2-40B4-BE49-F238E27FC236}">
-                <a16:creationId xmlns:a16="http://schemas.microsoft.com/office/drawing/2014/main" id="{B6DBAE90-68FB-479E-B6C3-C92BDB6ECD30}"/>
-              </a:ext>
-            </a:extLst>
-          </p:cNvPr>
-          <p:cNvSpPr>
-            <a:spLocks noGrp="1"/>
-          </p:cNvSpPr>
-          <p:nvPr>
-            <p:ph type="title"/>
-          </p:nvPr>
-        </p:nvSpPr>
-        <p:spPr/>
-        <p:txBody>
-          <a:bodyPr/>
-          <a:lstStyle/>
-          <a:p>
-            <a:r>
-              <a:rPr lang="en-US" dirty="0"/>
-              <a:t>Experimental Results – DAO Attack</a:t>
-            </a:r>
-          </a:p>
-        </p:txBody>
-      </p:sp>
-      <p:sp>
-        <p:nvSpPr>
-          <p:cNvPr id="3" name="Content Placeholder 2">
-            <a:extLst>
-              <a:ext uri="{FF2B5EF4-FFF2-40B4-BE49-F238E27FC236}">
-                <a16:creationId xmlns:a16="http://schemas.microsoft.com/office/drawing/2014/main" id="{3BA78167-AF07-4068-9063-49AEF8197313}"/>
-              </a:ext>
-            </a:extLst>
-          </p:cNvPr>
-          <p:cNvSpPr>
-            <a:spLocks noGrp="1"/>
-          </p:cNvSpPr>
-          <p:nvPr>
-            <p:ph idx="1"/>
-          </p:nvPr>
-        </p:nvSpPr>
-        <p:spPr>
-          <a:xfrm>
-            <a:off x="677334" y="1520891"/>
-            <a:ext cx="8596668" cy="4520472"/>
-          </a:xfrm>
-        </p:spPr>
-        <p:txBody>
-          <a:bodyPr/>
-          <a:lstStyle/>
-          <a:p>
-            <a:r>
-              <a:rPr lang="en-US" dirty="0"/>
-              <a:t>Small peak in the outlierness score on day 295</a:t>
-            </a:r>
-          </a:p>
-          <a:p>
-            <a:r>
-              <a:rPr lang="en-US" dirty="0"/>
-              <a:t>Large peak on day 316 of the DAO Attack</a:t>
-            </a:r>
-          </a:p>
-        </p:txBody>
-      </p:sp>
-      <p:pic>
-        <p:nvPicPr>
-          <p:cNvPr id="5" name="Picture 4">
-            <a:extLst>
-              <a:ext uri="{FF2B5EF4-FFF2-40B4-BE49-F238E27FC236}">
-                <a16:creationId xmlns:a16="http://schemas.microsoft.com/office/drawing/2014/main" id="{04CCC9B1-0F3C-4D6E-9230-2EA38DB757FA}"/>
-              </a:ext>
-            </a:extLst>
-          </p:cNvPr>
-          <p:cNvPicPr>
-            <a:picLocks noChangeAspect="1"/>
-          </p:cNvPicPr>
-          <p:nvPr/>
-        </p:nvPicPr>
-        <p:blipFill>
-          <a:blip r:embed="rId2"/>
-          <a:stretch>
-            <a:fillRect/>
-          </a:stretch>
-        </p:blipFill>
-        <p:spPr>
-          <a:xfrm>
-            <a:off x="2340527" y="2426237"/>
-            <a:ext cx="5123963" cy="4228088"/>
-          </a:xfrm>
-          <a:prstGeom prst="rect">
-            <a:avLst/>
-          </a:prstGeom>
-        </p:spPr>
-      </p:pic>
-      <p:cxnSp>
-        <p:nvCxnSpPr>
-          <p:cNvPr id="6" name="Straight Arrow Connector 5">
-            <a:extLst>
-              <a:ext uri="{FF2B5EF4-FFF2-40B4-BE49-F238E27FC236}">
-                <a16:creationId xmlns:a16="http://schemas.microsoft.com/office/drawing/2014/main" id="{A520ECE9-E958-4C62-BEB5-D459DB83DDA0}"/>
-              </a:ext>
-            </a:extLst>
-          </p:cNvPr>
-          <p:cNvCxnSpPr>
-            <a:cxnSpLocks/>
-            <a:stCxn id="7" idx="1"/>
-          </p:cNvCxnSpPr>
-          <p:nvPr/>
-        </p:nvCxnSpPr>
-        <p:spPr>
-          <a:xfrm flipH="1" flipV="1">
-            <a:off x="5887618" y="3219057"/>
-            <a:ext cx="208382" cy="349956"/>
-          </a:xfrm>
-          <a:prstGeom prst="straightConnector1">
-            <a:avLst/>
-          </a:prstGeom>
-          <a:ln>
-            <a:tailEnd type="triangle"/>
-          </a:ln>
-        </p:spPr>
-        <p:style>
-          <a:lnRef idx="1">
-            <a:schemeClr val="accent1"/>
-          </a:lnRef>
-          <a:fillRef idx="0">
-            <a:schemeClr val="accent1"/>
-          </a:fillRef>
-          <a:effectRef idx="0">
-            <a:schemeClr val="accent1"/>
-          </a:effectRef>
-          <a:fontRef idx="minor">
-            <a:schemeClr val="tx1"/>
-          </a:fontRef>
-        </p:style>
-      </p:cxnSp>
-      <p:sp>
-        <p:nvSpPr>
-          <p:cNvPr id="7" name="TextBox 6">
-            <a:extLst>
-              <a:ext uri="{FF2B5EF4-FFF2-40B4-BE49-F238E27FC236}">
-                <a16:creationId xmlns:a16="http://schemas.microsoft.com/office/drawing/2014/main" id="{431DEB9F-CD7E-40A5-BB65-57A7991FEB8B}"/>
-              </a:ext>
-            </a:extLst>
-          </p:cNvPr>
-          <p:cNvSpPr txBox="1"/>
-          <p:nvPr/>
-        </p:nvSpPr>
-        <p:spPr>
-          <a:xfrm>
-            <a:off x="6096000" y="3430513"/>
-            <a:ext cx="986561" cy="276999"/>
-          </a:xfrm>
-          <a:prstGeom prst="rect">
-            <a:avLst/>
-          </a:prstGeom>
-          <a:noFill/>
-          <a:ln>
-            <a:solidFill>
-              <a:schemeClr val="tx1"/>
-            </a:solidFill>
-          </a:ln>
-        </p:spPr>
-        <p:txBody>
-          <a:bodyPr wrap="square" rtlCol="0">
-            <a:spAutoFit/>
-          </a:bodyPr>
-          <a:lstStyle/>
-          <a:p>
-            <a:r>
-              <a:rPr lang="en-US" sz="1200" dirty="0"/>
-              <a:t>DAO Attack</a:t>
-            </a:r>
-          </a:p>
-        </p:txBody>
-      </p:sp>
-      <p:cxnSp>
-        <p:nvCxnSpPr>
-          <p:cNvPr id="10" name="Straight Arrow Connector 9">
-            <a:extLst>
-              <a:ext uri="{FF2B5EF4-FFF2-40B4-BE49-F238E27FC236}">
-                <a16:creationId xmlns:a16="http://schemas.microsoft.com/office/drawing/2014/main" id="{CC33FEC7-8B17-4AD1-B3A1-31D5EC6726D4}"/>
-              </a:ext>
-            </a:extLst>
-          </p:cNvPr>
-          <p:cNvCxnSpPr>
-            <a:cxnSpLocks/>
-          </p:cNvCxnSpPr>
-          <p:nvPr/>
-        </p:nvCxnSpPr>
-        <p:spPr>
-          <a:xfrm>
-            <a:off x="4799671" y="5565762"/>
-            <a:ext cx="175997" cy="198901"/>
-          </a:xfrm>
-          <a:prstGeom prst="straightConnector1">
-            <a:avLst/>
-          </a:prstGeom>
-          <a:ln>
-            <a:tailEnd type="triangle"/>
-          </a:ln>
-        </p:spPr>
-        <p:style>
-          <a:lnRef idx="1">
-            <a:schemeClr val="accent1"/>
-          </a:lnRef>
-          <a:fillRef idx="0">
-            <a:schemeClr val="accent1"/>
-          </a:fillRef>
-          <a:effectRef idx="0">
-            <a:schemeClr val="accent1"/>
-          </a:effectRef>
-          <a:fontRef idx="minor">
-            <a:schemeClr val="tx1"/>
-          </a:fontRef>
-        </p:style>
-      </p:cxnSp>
-      <p:sp>
-        <p:nvSpPr>
-          <p:cNvPr id="11" name="TextBox 10">
-            <a:extLst>
-              <a:ext uri="{FF2B5EF4-FFF2-40B4-BE49-F238E27FC236}">
-                <a16:creationId xmlns:a16="http://schemas.microsoft.com/office/drawing/2014/main" id="{92FBD0E8-824D-4639-9382-F82AA1F0896D}"/>
-              </a:ext>
-            </a:extLst>
-          </p:cNvPr>
-          <p:cNvSpPr txBox="1"/>
-          <p:nvPr/>
-        </p:nvSpPr>
-        <p:spPr>
-          <a:xfrm>
-            <a:off x="3813110" y="5427262"/>
-            <a:ext cx="986561" cy="276999"/>
-          </a:xfrm>
-          <a:prstGeom prst="rect">
-            <a:avLst/>
-          </a:prstGeom>
-          <a:noFill/>
-          <a:ln>
-            <a:solidFill>
-              <a:schemeClr val="tx1"/>
-            </a:solidFill>
-          </a:ln>
-        </p:spPr>
-        <p:txBody>
-          <a:bodyPr wrap="square" rtlCol="0">
-            <a:spAutoFit/>
-          </a:bodyPr>
-          <a:lstStyle/>
-          <a:p>
-            <a:r>
-              <a:rPr lang="en-US" sz="1200" dirty="0"/>
-              <a:t>Small Peak</a:t>
-            </a:r>
-          </a:p>
-        </p:txBody>
-      </p:sp>
-    </p:spTree>
-    <p:extLst>
-      <p:ext uri="{BB962C8B-B14F-4D97-AF65-F5344CB8AC3E}">
-        <p14:creationId xmlns:p14="http://schemas.microsoft.com/office/powerpoint/2010/main" val="2164278346"/>
-      </p:ext>
-    </p:extLst>
-  </p:cSld>
-  <p:clrMapOvr>
-    <a:masterClrMapping/>
-  </p:clrMapOvr>
-</p:sld>
-</file>
-
-<file path=ppt/slides/slide17.xml><?xml version="1.0" encoding="utf-8"?>
-<p:sld xmlns:a="http://schemas.openxmlformats.org/drawingml/2006/main" xmlns:r="http://schemas.openxmlformats.org/officeDocument/2006/relationships" xmlns:p="http://schemas.openxmlformats.org/presentationml/2006/main">
-  <p:cSld>
-    <p:spTree>
-      <p:nvGrpSpPr>
-        <p:cNvPr id="1" name=""/>
-        <p:cNvGrpSpPr/>
-        <p:nvPr/>
-      </p:nvGrpSpPr>
-      <p:grpSpPr>
-        <a:xfrm>
-          <a:off x="0" y="0"/>
-          <a:ext cx="0" cy="0"/>
-          <a:chOff x="0" y="0"/>
-          <a:chExt cx="0" cy="0"/>
-        </a:xfrm>
-      </p:grpSpPr>
-      <p:pic>
-        <p:nvPicPr>
-          <p:cNvPr id="8" name="Picture 7">
-            <a:extLst>
-              <a:ext uri="{FF2B5EF4-FFF2-40B4-BE49-F238E27FC236}">
-                <a16:creationId xmlns:a16="http://schemas.microsoft.com/office/drawing/2014/main" id="{309E8DFF-03A5-4E19-9638-5BD93F99CC82}"/>
-              </a:ext>
-            </a:extLst>
-          </p:cNvPr>
-          <p:cNvPicPr>
-            <a:picLocks noChangeAspect="1"/>
-          </p:cNvPicPr>
-          <p:nvPr/>
-        </p:nvPicPr>
-        <p:blipFill>
-          <a:blip r:embed="rId2"/>
-          <a:stretch>
-            <a:fillRect/>
-          </a:stretch>
-        </p:blipFill>
-        <p:spPr>
-          <a:xfrm>
-            <a:off x="2466364" y="2731469"/>
-            <a:ext cx="4781334" cy="3959386"/>
-          </a:xfrm>
-          <a:prstGeom prst="rect">
-            <a:avLst/>
-          </a:prstGeom>
-        </p:spPr>
-      </p:pic>
-      <p:sp>
-        <p:nvSpPr>
-          <p:cNvPr id="2" name="Title 1">
-            <a:extLst>
-              <a:ext uri="{FF2B5EF4-FFF2-40B4-BE49-F238E27FC236}">
-                <a16:creationId xmlns:a16="http://schemas.microsoft.com/office/drawing/2014/main" id="{B6DBAE90-68FB-479E-B6C3-C92BDB6ECD30}"/>
-              </a:ext>
-            </a:extLst>
-          </p:cNvPr>
-          <p:cNvSpPr>
-            <a:spLocks noGrp="1"/>
-          </p:cNvSpPr>
-          <p:nvPr>
-            <p:ph type="title"/>
-          </p:nvPr>
-        </p:nvSpPr>
-        <p:spPr/>
-        <p:txBody>
-          <a:bodyPr/>
-          <a:lstStyle/>
-          <a:p>
-            <a:r>
-              <a:rPr lang="en-US" dirty="0"/>
-              <a:t>Experimental Results – 51% Attack</a:t>
-            </a:r>
-          </a:p>
-        </p:txBody>
-      </p:sp>
-      <p:sp>
-        <p:nvSpPr>
-          <p:cNvPr id="3" name="Content Placeholder 2">
-            <a:extLst>
-              <a:ext uri="{FF2B5EF4-FFF2-40B4-BE49-F238E27FC236}">
-                <a16:creationId xmlns:a16="http://schemas.microsoft.com/office/drawing/2014/main" id="{3BA78167-AF07-4068-9063-49AEF8197313}"/>
-              </a:ext>
-            </a:extLst>
-          </p:cNvPr>
-          <p:cNvSpPr>
-            <a:spLocks noGrp="1"/>
-          </p:cNvSpPr>
-          <p:nvPr>
-            <p:ph idx="1"/>
-          </p:nvPr>
-        </p:nvSpPr>
-        <p:spPr>
-          <a:xfrm>
-            <a:off x="677334" y="1520891"/>
-            <a:ext cx="8596668" cy="4520472"/>
-          </a:xfrm>
-        </p:spPr>
-        <p:txBody>
-          <a:bodyPr/>
-          <a:lstStyle/>
-          <a:p>
-            <a:r>
-              <a:rPr lang="en-US" dirty="0"/>
-              <a:t>Strong anomaly on day 1255, a few days after the actual attack</a:t>
-            </a:r>
-          </a:p>
-          <a:p>
-            <a:r>
-              <a:rPr lang="en-US" dirty="0"/>
-              <a:t>A number of companies working on ETC detected the attack and decided to freeze their activities</a:t>
-            </a:r>
-          </a:p>
-          <a:p>
-            <a:pPr lvl="1"/>
-            <a:r>
-              <a:rPr lang="en-US" dirty="0"/>
-              <a:t>Day 1255 appear to be when all the frozen activities were recorded on the network</a:t>
-            </a:r>
-          </a:p>
-        </p:txBody>
-      </p:sp>
-      <p:cxnSp>
-        <p:nvCxnSpPr>
-          <p:cNvPr id="6" name="Straight Arrow Connector 5">
-            <a:extLst>
-              <a:ext uri="{FF2B5EF4-FFF2-40B4-BE49-F238E27FC236}">
-                <a16:creationId xmlns:a16="http://schemas.microsoft.com/office/drawing/2014/main" id="{A520ECE9-E958-4C62-BEB5-D459DB83DDA0}"/>
-              </a:ext>
-            </a:extLst>
-          </p:cNvPr>
-          <p:cNvCxnSpPr>
-            <a:cxnSpLocks/>
-            <a:stCxn id="7" idx="1"/>
-          </p:cNvCxnSpPr>
-          <p:nvPr/>
-        </p:nvCxnSpPr>
-        <p:spPr>
-          <a:xfrm flipH="1" flipV="1">
-            <a:off x="5167620" y="3830022"/>
-            <a:ext cx="290818" cy="138498"/>
-          </a:xfrm>
-          <a:prstGeom prst="straightConnector1">
-            <a:avLst/>
-          </a:prstGeom>
-          <a:ln>
-            <a:tailEnd type="triangle"/>
-          </a:ln>
-        </p:spPr>
-        <p:style>
-          <a:lnRef idx="1">
-            <a:schemeClr val="accent1"/>
-          </a:lnRef>
-          <a:fillRef idx="0">
-            <a:schemeClr val="accent1"/>
-          </a:fillRef>
-          <a:effectRef idx="0">
-            <a:schemeClr val="accent1"/>
-          </a:effectRef>
-          <a:fontRef idx="minor">
-            <a:schemeClr val="tx1"/>
-          </a:fontRef>
-        </p:style>
-      </p:cxnSp>
-      <p:sp>
-        <p:nvSpPr>
-          <p:cNvPr id="7" name="TextBox 6">
-            <a:extLst>
-              <a:ext uri="{FF2B5EF4-FFF2-40B4-BE49-F238E27FC236}">
-                <a16:creationId xmlns:a16="http://schemas.microsoft.com/office/drawing/2014/main" id="{431DEB9F-CD7E-40A5-BB65-57A7991FEB8B}"/>
-              </a:ext>
-            </a:extLst>
-          </p:cNvPr>
-          <p:cNvSpPr txBox="1"/>
-          <p:nvPr/>
-        </p:nvSpPr>
-        <p:spPr>
-          <a:xfrm>
-            <a:off x="5458438" y="3830020"/>
-            <a:ext cx="1286312" cy="276999"/>
-          </a:xfrm>
-          <a:prstGeom prst="rect">
-            <a:avLst/>
-          </a:prstGeom>
-          <a:noFill/>
-          <a:ln>
-            <a:solidFill>
-              <a:schemeClr val="tx1"/>
-            </a:solidFill>
-          </a:ln>
-        </p:spPr>
-        <p:txBody>
-          <a:bodyPr wrap="square" rtlCol="0">
-            <a:spAutoFit/>
-          </a:bodyPr>
-          <a:lstStyle/>
-          <a:p>
-            <a:r>
-              <a:rPr lang="en-US" sz="1200" dirty="0"/>
-              <a:t>Strong anomaly</a:t>
-            </a:r>
-          </a:p>
-        </p:txBody>
-      </p:sp>
-      <p:cxnSp>
-        <p:nvCxnSpPr>
-          <p:cNvPr id="10" name="Straight Arrow Connector 9">
-            <a:extLst>
-              <a:ext uri="{FF2B5EF4-FFF2-40B4-BE49-F238E27FC236}">
-                <a16:creationId xmlns:a16="http://schemas.microsoft.com/office/drawing/2014/main" id="{CC33FEC7-8B17-4AD1-B3A1-31D5EC6726D4}"/>
-              </a:ext>
-            </a:extLst>
-          </p:cNvPr>
-          <p:cNvCxnSpPr>
-            <a:cxnSpLocks/>
-          </p:cNvCxnSpPr>
-          <p:nvPr/>
-        </p:nvCxnSpPr>
-        <p:spPr>
-          <a:xfrm flipV="1">
-            <a:off x="4656863" y="4294748"/>
-            <a:ext cx="200168" cy="138499"/>
-          </a:xfrm>
-          <a:prstGeom prst="straightConnector1">
-            <a:avLst/>
-          </a:prstGeom>
-          <a:ln>
-            <a:tailEnd type="triangle"/>
-          </a:ln>
-        </p:spPr>
-        <p:style>
-          <a:lnRef idx="1">
-            <a:schemeClr val="accent1"/>
-          </a:lnRef>
-          <a:fillRef idx="0">
-            <a:schemeClr val="accent1"/>
-          </a:fillRef>
-          <a:effectRef idx="0">
-            <a:schemeClr val="accent1"/>
-          </a:effectRef>
-          <a:fontRef idx="minor">
-            <a:schemeClr val="tx1"/>
-          </a:fontRef>
-        </p:style>
-      </p:cxnSp>
-      <p:sp>
-        <p:nvSpPr>
-          <p:cNvPr id="11" name="TextBox 10">
-            <a:extLst>
-              <a:ext uri="{FF2B5EF4-FFF2-40B4-BE49-F238E27FC236}">
-                <a16:creationId xmlns:a16="http://schemas.microsoft.com/office/drawing/2014/main" id="{92FBD0E8-824D-4639-9382-F82AA1F0896D}"/>
-              </a:ext>
-            </a:extLst>
-          </p:cNvPr>
-          <p:cNvSpPr txBox="1"/>
-          <p:nvPr/>
-        </p:nvSpPr>
-        <p:spPr>
-          <a:xfrm>
-            <a:off x="3662108" y="4294748"/>
-            <a:ext cx="986561" cy="276999"/>
-          </a:xfrm>
-          <a:prstGeom prst="rect">
-            <a:avLst/>
-          </a:prstGeom>
-          <a:noFill/>
-          <a:ln>
-            <a:solidFill>
-              <a:schemeClr val="tx1"/>
-            </a:solidFill>
-          </a:ln>
-        </p:spPr>
-        <p:txBody>
-          <a:bodyPr wrap="square" rtlCol="0">
-            <a:spAutoFit/>
-          </a:bodyPr>
-          <a:lstStyle/>
-          <a:p>
-            <a:r>
-              <a:rPr lang="en-US" sz="1200" dirty="0"/>
-              <a:t>51% Attack</a:t>
-            </a:r>
-          </a:p>
-        </p:txBody>
-      </p:sp>
-    </p:spTree>
-    <p:extLst>
-      <p:ext uri="{BB962C8B-B14F-4D97-AF65-F5344CB8AC3E}">
-        <p14:creationId xmlns:p14="http://schemas.microsoft.com/office/powerpoint/2010/main" val="1155374901"/>
-      </p:ext>
-    </p:extLst>
-  </p:cSld>
-  <p:clrMapOvr>
-    <a:masterClrMapping/>
-  </p:clrMapOvr>
-</p:sld>
-</file>
-
-<file path=ppt/slides/slide18.xml><?xml version="1.0" encoding="utf-8"?>
-<p:sld xmlns:a="http://schemas.openxmlformats.org/drawingml/2006/main" xmlns:r="http://schemas.openxmlformats.org/officeDocument/2006/relationships" xmlns:p="http://schemas.openxmlformats.org/presentationml/2006/main">
-  <p:cSld>
-    <p:spTree>
-      <p:nvGrpSpPr>
-        <p:cNvPr id="1" name=""/>
-        <p:cNvGrpSpPr/>
-        <p:nvPr/>
-      </p:nvGrpSpPr>
-      <p:grpSpPr>
-        <a:xfrm>
-          <a:off x="0" y="0"/>
-          <a:ext cx="0" cy="0"/>
-          <a:chOff x="0" y="0"/>
-          <a:chExt cx="0" cy="0"/>
-        </a:xfrm>
-      </p:grpSpPr>
-      <p:pic>
-        <p:nvPicPr>
-          <p:cNvPr id="5" name="Picture 4">
-            <a:extLst>
-              <a:ext uri="{FF2B5EF4-FFF2-40B4-BE49-F238E27FC236}">
-                <a16:creationId xmlns:a16="http://schemas.microsoft.com/office/drawing/2014/main" id="{C875C848-447F-44F6-BD47-9446ECE0824C}"/>
-              </a:ext>
-            </a:extLst>
-          </p:cNvPr>
-          <p:cNvPicPr>
-            <a:picLocks noChangeAspect="1"/>
-          </p:cNvPicPr>
-          <p:nvPr/>
-        </p:nvPicPr>
-        <p:blipFill>
-          <a:blip r:embed="rId2"/>
-          <a:stretch>
-            <a:fillRect/>
-          </a:stretch>
-        </p:blipFill>
-        <p:spPr>
-          <a:xfrm>
-            <a:off x="2575474" y="2496639"/>
-            <a:ext cx="4716497" cy="3873215"/>
-          </a:xfrm>
-          <a:prstGeom prst="rect">
-            <a:avLst/>
-          </a:prstGeom>
-        </p:spPr>
-      </p:pic>
-      <p:sp>
-        <p:nvSpPr>
-          <p:cNvPr id="2" name="Title 1">
-            <a:extLst>
-              <a:ext uri="{FF2B5EF4-FFF2-40B4-BE49-F238E27FC236}">
-                <a16:creationId xmlns:a16="http://schemas.microsoft.com/office/drawing/2014/main" id="{B6DBAE90-68FB-479E-B6C3-C92BDB6ECD30}"/>
-              </a:ext>
-            </a:extLst>
-          </p:cNvPr>
-          <p:cNvSpPr>
-            <a:spLocks noGrp="1"/>
-          </p:cNvSpPr>
-          <p:nvPr>
-            <p:ph type="title"/>
-          </p:nvPr>
-        </p:nvSpPr>
-        <p:spPr/>
-        <p:txBody>
-          <a:bodyPr/>
-          <a:lstStyle/>
-          <a:p>
-            <a:r>
-              <a:rPr lang="en-US" dirty="0"/>
-              <a:t>Experimental Results – 51% Attack</a:t>
-            </a:r>
-          </a:p>
-        </p:txBody>
-      </p:sp>
-      <mc:AlternateContent xmlns:mc="http://schemas.openxmlformats.org/markup-compatibility/2006" xmlns:a14="http://schemas.microsoft.com/office/drawing/2010/main">
-        <mc:Choice Requires="a14">
-          <p:sp>
-            <p:nvSpPr>
-              <p:cNvPr id="3" name="Content Placeholder 2">
-                <a:extLst>
-                  <a:ext uri="{FF2B5EF4-FFF2-40B4-BE49-F238E27FC236}">
-                    <a16:creationId xmlns:a16="http://schemas.microsoft.com/office/drawing/2014/main" id="{3BA78167-AF07-4068-9063-49AEF8197313}"/>
-                  </a:ext>
-                </a:extLst>
-              </p:cNvPr>
-              <p:cNvSpPr>
-                <a:spLocks noGrp="1"/>
-              </p:cNvSpPr>
-              <p:nvPr>
-                <p:ph idx="1"/>
-              </p:nvPr>
-            </p:nvSpPr>
-            <p:spPr>
-              <a:xfrm>
-                <a:off x="677334" y="1520891"/>
-                <a:ext cx="8596668" cy="4520472"/>
-              </a:xfrm>
-            </p:spPr>
-            <p:txBody>
-              <a:bodyPr/>
-              <a:lstStyle/>
-              <a:p>
-                <a:r>
-                  <a:rPr lang="en-US" dirty="0"/>
-                  <a:t>Results of the 51% Attack consistent when trained with a union of </a:t>
-                </a:r>
-                <a14:m>
-                  <m:oMath xmlns:m="http://schemas.openxmlformats.org/officeDocument/2006/math">
-                    <m:sSub>
-                      <m:sSubPr>
-                        <m:ctrlPr>
-                          <a:rPr lang="en-US" i="1" smtClean="0">
-                            <a:latin typeface="Cambria Math" panose="02040503050406030204" pitchFamily="18" charset="0"/>
-                          </a:rPr>
-                        </m:ctrlPr>
-                      </m:sSubPr>
-                      <m:e>
-                        <m:r>
-                          <a:rPr lang="en-US" b="0" i="1" smtClean="0">
-                            <a:latin typeface="Cambria Math" panose="02040503050406030204" pitchFamily="18" charset="0"/>
-                          </a:rPr>
-                          <m:t>𝐷</m:t>
-                        </m:r>
-                      </m:e>
-                      <m:sub>
-                        <m:r>
-                          <a:rPr lang="en-US" b="0" i="1" smtClean="0">
-                            <a:latin typeface="Cambria Math" panose="02040503050406030204" pitchFamily="18" charset="0"/>
-                          </a:rPr>
-                          <m:t>1</m:t>
-                        </m:r>
-                      </m:sub>
-                    </m:sSub>
-                  </m:oMath>
-                </a14:m>
-                <a:r>
-                  <a:rPr lang="en-US" dirty="0"/>
-                  <a:t> and </a:t>
-                </a:r>
-                <a14:m>
-                  <m:oMath xmlns:m="http://schemas.openxmlformats.org/officeDocument/2006/math">
-                    <m:sSub>
-                      <m:sSubPr>
-                        <m:ctrlPr>
-                          <a:rPr lang="en-US" i="1">
-                            <a:latin typeface="Cambria Math" panose="02040503050406030204" pitchFamily="18" charset="0"/>
-                          </a:rPr>
-                        </m:ctrlPr>
-                      </m:sSubPr>
-                      <m:e>
-                        <m:r>
-                          <a:rPr lang="en-US" i="1">
-                            <a:latin typeface="Cambria Math" panose="02040503050406030204" pitchFamily="18" charset="0"/>
-                          </a:rPr>
-                          <m:t>𝐷</m:t>
-                        </m:r>
-                      </m:e>
-                      <m:sub>
-                        <m:r>
-                          <a:rPr lang="en-US" b="0" i="1" smtClean="0">
-                            <a:latin typeface="Cambria Math" panose="02040503050406030204" pitchFamily="18" charset="0"/>
-                          </a:rPr>
-                          <m:t>2</m:t>
-                        </m:r>
-                      </m:sub>
-                    </m:sSub>
-                  </m:oMath>
-                </a14:m>
-                <a:r>
-                  <a:rPr lang="en-US" dirty="0"/>
-                  <a:t> when compared to </a:t>
-                </a:r>
-                <a14:m>
-                  <m:oMath xmlns:m="http://schemas.openxmlformats.org/officeDocument/2006/math">
-                    <m:sSub>
-                      <m:sSubPr>
-                        <m:ctrlPr>
-                          <a:rPr lang="en-US" i="1">
-                            <a:latin typeface="Cambria Math" panose="02040503050406030204" pitchFamily="18" charset="0"/>
-                          </a:rPr>
-                        </m:ctrlPr>
-                      </m:sSubPr>
-                      <m:e>
-                        <m:r>
-                          <a:rPr lang="en-US" i="1">
-                            <a:latin typeface="Cambria Math" panose="02040503050406030204" pitchFamily="18" charset="0"/>
-                          </a:rPr>
-                          <m:t>𝐷</m:t>
-                        </m:r>
-                      </m:e>
-                      <m:sub>
-                        <m:r>
-                          <a:rPr lang="en-US" b="0" i="1" smtClean="0">
-                            <a:latin typeface="Cambria Math" panose="02040503050406030204" pitchFamily="18" charset="0"/>
-                          </a:rPr>
-                          <m:t>2</m:t>
-                        </m:r>
-                      </m:sub>
-                    </m:sSub>
-                    <m:r>
-                      <a:rPr lang="en-US" b="0" i="0" smtClean="0">
-                        <a:latin typeface="Cambria Math" panose="02040503050406030204" pitchFamily="18" charset="0"/>
-                      </a:rPr>
-                      <m:t> </m:t>
-                    </m:r>
-                    <m:r>
-                      <m:rPr>
-                        <m:sty m:val="p"/>
-                      </m:rPr>
-                      <a:rPr lang="en-US" b="0" i="0" smtClean="0">
-                        <a:latin typeface="Cambria Math" panose="02040503050406030204" pitchFamily="18" charset="0"/>
-                      </a:rPr>
-                      <m:t>alone</m:t>
-                    </m:r>
-                  </m:oMath>
-                </a14:m>
-                <a:endParaRPr lang="en-US" dirty="0"/>
-              </a:p>
-            </p:txBody>
-          </p:sp>
-        </mc:Choice>
-        <mc:Fallback xmlns="">
-          <p:sp>
-            <p:nvSpPr>
-              <p:cNvPr id="3" name="Content Placeholder 2">
-                <a:extLst>
-                  <a:ext uri="{FF2B5EF4-FFF2-40B4-BE49-F238E27FC236}">
-                    <a16:creationId xmlns:a16="http://schemas.microsoft.com/office/drawing/2014/main" id="{3BA78167-AF07-4068-9063-49AEF8197313}"/>
-                  </a:ext>
-                </a:extLst>
-              </p:cNvPr>
-              <p:cNvSpPr>
-                <a:spLocks noGrp="1" noRot="1" noChangeAspect="1" noMove="1" noResize="1" noEditPoints="1" noAdjustHandles="1" noChangeArrowheads="1" noChangeShapeType="1" noTextEdit="1"/>
-              </p:cNvSpPr>
-              <p:nvPr>
-                <p:ph idx="1"/>
-              </p:nvPr>
-            </p:nvSpPr>
-            <p:spPr>
-              <a:xfrm>
-                <a:off x="677334" y="1520891"/>
-                <a:ext cx="8596668" cy="4520472"/>
-              </a:xfrm>
-              <a:blipFill>
-                <a:blip r:embed="rId3"/>
-                <a:stretch>
-                  <a:fillRect l="-142" t="-809"/>
-                </a:stretch>
-              </a:blipFill>
-            </p:spPr>
-            <p:txBody>
-              <a:bodyPr/>
-              <a:lstStyle/>
-              <a:p>
-                <a:r>
-                  <a:rPr lang="en-US">
-                    <a:noFill/>
-                  </a:rPr>
-                  <a:t> </a:t>
-                </a:r>
-              </a:p>
-            </p:txBody>
-          </p:sp>
-        </mc:Fallback>
-      </mc:AlternateContent>
-      <p:cxnSp>
-        <p:nvCxnSpPr>
-          <p:cNvPr id="6" name="Straight Arrow Connector 5">
-            <a:extLst>
-              <a:ext uri="{FF2B5EF4-FFF2-40B4-BE49-F238E27FC236}">
-                <a16:creationId xmlns:a16="http://schemas.microsoft.com/office/drawing/2014/main" id="{A520ECE9-E958-4C62-BEB5-D459DB83DDA0}"/>
-              </a:ext>
-            </a:extLst>
-          </p:cNvPr>
-          <p:cNvCxnSpPr>
-            <a:cxnSpLocks/>
-            <a:stCxn id="7" idx="1"/>
-          </p:cNvCxnSpPr>
-          <p:nvPr/>
-        </p:nvCxnSpPr>
-        <p:spPr>
-          <a:xfrm flipH="1" flipV="1">
-            <a:off x="5167620" y="3830022"/>
-            <a:ext cx="290818" cy="138498"/>
-          </a:xfrm>
-          <a:prstGeom prst="straightConnector1">
-            <a:avLst/>
-          </a:prstGeom>
-          <a:ln>
-            <a:tailEnd type="triangle"/>
-          </a:ln>
-        </p:spPr>
-        <p:style>
-          <a:lnRef idx="1">
-            <a:schemeClr val="accent1"/>
-          </a:lnRef>
-          <a:fillRef idx="0">
-            <a:schemeClr val="accent1"/>
-          </a:fillRef>
-          <a:effectRef idx="0">
-            <a:schemeClr val="accent1"/>
-          </a:effectRef>
-          <a:fontRef idx="minor">
-            <a:schemeClr val="tx1"/>
-          </a:fontRef>
-        </p:style>
-      </p:cxnSp>
-      <p:sp>
-        <p:nvSpPr>
-          <p:cNvPr id="7" name="TextBox 6">
-            <a:extLst>
-              <a:ext uri="{FF2B5EF4-FFF2-40B4-BE49-F238E27FC236}">
-                <a16:creationId xmlns:a16="http://schemas.microsoft.com/office/drawing/2014/main" id="{431DEB9F-CD7E-40A5-BB65-57A7991FEB8B}"/>
-              </a:ext>
-            </a:extLst>
-          </p:cNvPr>
-          <p:cNvSpPr txBox="1"/>
-          <p:nvPr/>
-        </p:nvSpPr>
-        <p:spPr>
-          <a:xfrm>
-            <a:off x="5458438" y="3830020"/>
-            <a:ext cx="1286312" cy="276999"/>
-          </a:xfrm>
-          <a:prstGeom prst="rect">
-            <a:avLst/>
-          </a:prstGeom>
-          <a:noFill/>
-          <a:ln>
-            <a:solidFill>
-              <a:schemeClr val="tx1"/>
-            </a:solidFill>
-          </a:ln>
-        </p:spPr>
-        <p:txBody>
-          <a:bodyPr wrap="square" rtlCol="0">
-            <a:spAutoFit/>
-          </a:bodyPr>
-          <a:lstStyle/>
-          <a:p>
-            <a:r>
-              <a:rPr lang="en-US" sz="1200" dirty="0"/>
-              <a:t>Strong anomaly</a:t>
-            </a:r>
-          </a:p>
-        </p:txBody>
-      </p:sp>
-      <p:cxnSp>
-        <p:nvCxnSpPr>
-          <p:cNvPr id="10" name="Straight Arrow Connector 9">
-            <a:extLst>
-              <a:ext uri="{FF2B5EF4-FFF2-40B4-BE49-F238E27FC236}">
-                <a16:creationId xmlns:a16="http://schemas.microsoft.com/office/drawing/2014/main" id="{CC33FEC7-8B17-4AD1-B3A1-31D5EC6726D4}"/>
-              </a:ext>
-            </a:extLst>
-          </p:cNvPr>
-          <p:cNvCxnSpPr>
-            <a:cxnSpLocks/>
-          </p:cNvCxnSpPr>
-          <p:nvPr/>
-        </p:nvCxnSpPr>
-        <p:spPr>
-          <a:xfrm flipV="1">
-            <a:off x="4656863" y="4294748"/>
-            <a:ext cx="200168" cy="138499"/>
-          </a:xfrm>
-          <a:prstGeom prst="straightConnector1">
-            <a:avLst/>
-          </a:prstGeom>
-          <a:ln>
-            <a:tailEnd type="triangle"/>
-          </a:ln>
-        </p:spPr>
-        <p:style>
-          <a:lnRef idx="1">
-            <a:schemeClr val="accent1"/>
-          </a:lnRef>
-          <a:fillRef idx="0">
-            <a:schemeClr val="accent1"/>
-          </a:fillRef>
-          <a:effectRef idx="0">
-            <a:schemeClr val="accent1"/>
-          </a:effectRef>
-          <a:fontRef idx="minor">
-            <a:schemeClr val="tx1"/>
-          </a:fontRef>
-        </p:style>
-      </p:cxnSp>
-      <p:sp>
-        <p:nvSpPr>
-          <p:cNvPr id="11" name="TextBox 10">
-            <a:extLst>
-              <a:ext uri="{FF2B5EF4-FFF2-40B4-BE49-F238E27FC236}">
-                <a16:creationId xmlns:a16="http://schemas.microsoft.com/office/drawing/2014/main" id="{92FBD0E8-824D-4639-9382-F82AA1F0896D}"/>
-              </a:ext>
-            </a:extLst>
-          </p:cNvPr>
-          <p:cNvSpPr txBox="1"/>
-          <p:nvPr/>
-        </p:nvSpPr>
-        <p:spPr>
-          <a:xfrm>
-            <a:off x="3662108" y="4294748"/>
-            <a:ext cx="986561" cy="276999"/>
-          </a:xfrm>
-          <a:prstGeom prst="rect">
-            <a:avLst/>
-          </a:prstGeom>
-          <a:noFill/>
-          <a:ln>
-            <a:solidFill>
-              <a:schemeClr val="tx1"/>
-            </a:solidFill>
-          </a:ln>
-        </p:spPr>
-        <p:txBody>
-          <a:bodyPr wrap="square" rtlCol="0">
-            <a:spAutoFit/>
-          </a:bodyPr>
-          <a:lstStyle/>
-          <a:p>
-            <a:r>
-              <a:rPr lang="en-US" sz="1200" dirty="0"/>
-              <a:t>51% Attack</a:t>
-            </a:r>
-          </a:p>
-        </p:txBody>
-      </p:sp>
-    </p:spTree>
-    <p:extLst>
-      <p:ext uri="{BB962C8B-B14F-4D97-AF65-F5344CB8AC3E}">
-        <p14:creationId xmlns:p14="http://schemas.microsoft.com/office/powerpoint/2010/main" val="709087402"/>
-      </p:ext>
-    </p:extLst>
-  </p:cSld>
-  <p:clrMapOvr>
-    <a:masterClrMapping/>
-  </p:clrMapOvr>
-</p:sld>
-</file>
-
-<file path=ppt/slides/slide19.xml><?xml version="1.0" encoding="utf-8"?>
-<p:sld xmlns:a="http://schemas.openxmlformats.org/drawingml/2006/main" xmlns:r="http://schemas.openxmlformats.org/officeDocument/2006/relationships" xmlns:p="http://schemas.openxmlformats.org/presentationml/2006/main">
-  <p:cSld>
-    <p:spTree>
-      <p:nvGrpSpPr>
-        <p:cNvPr id="1" name=""/>
-        <p:cNvGrpSpPr/>
-        <p:nvPr/>
-      </p:nvGrpSpPr>
-      <p:grpSpPr>
-        <a:xfrm>
-          <a:off x="0" y="0"/>
-          <a:ext cx="0" cy="0"/>
-          <a:chOff x="0" y="0"/>
-          <a:chExt cx="0" cy="0"/>
-        </a:xfrm>
-      </p:grpSpPr>
-      <p:sp>
-        <p:nvSpPr>
-          <p:cNvPr id="2" name="Title 1">
-            <a:extLst>
-              <a:ext uri="{FF2B5EF4-FFF2-40B4-BE49-F238E27FC236}">
-                <a16:creationId xmlns:a16="http://schemas.microsoft.com/office/drawing/2014/main" id="{109876BF-87DC-459D-8589-EC069A2BD863}"/>
-              </a:ext>
-            </a:extLst>
-          </p:cNvPr>
-          <p:cNvSpPr>
-            <a:spLocks noGrp="1"/>
-          </p:cNvSpPr>
-          <p:nvPr>
-            <p:ph type="title"/>
-          </p:nvPr>
-        </p:nvSpPr>
-        <p:spPr/>
-        <p:txBody>
-          <a:bodyPr/>
-          <a:lstStyle/>
-          <a:p>
-            <a:r>
-              <a:rPr lang="en-US" dirty="0"/>
-              <a:t>Conclusion</a:t>
-            </a:r>
-          </a:p>
-        </p:txBody>
-      </p:sp>
-      <p:sp>
-        <p:nvSpPr>
-          <p:cNvPr id="3" name="Content Placeholder 2">
-            <a:extLst>
-              <a:ext uri="{FF2B5EF4-FFF2-40B4-BE49-F238E27FC236}">
-                <a16:creationId xmlns:a16="http://schemas.microsoft.com/office/drawing/2014/main" id="{79B43B56-C922-4EEB-B519-F38B69A165F2}"/>
-              </a:ext>
-            </a:extLst>
-          </p:cNvPr>
-          <p:cNvSpPr>
-            <a:spLocks noGrp="1"/>
-          </p:cNvSpPr>
-          <p:nvPr>
-            <p:ph idx="1"/>
-          </p:nvPr>
-        </p:nvSpPr>
-        <p:spPr>
-          <a:xfrm>
-            <a:off x="677334" y="1551963"/>
-            <a:ext cx="8596668" cy="4489400"/>
-          </a:xfrm>
-        </p:spPr>
-        <p:txBody>
-          <a:bodyPr/>
-          <a:lstStyle/>
-          <a:p>
-            <a:r>
-              <a:rPr lang="en-US" dirty="0"/>
-              <a:t>DAO Attack:</a:t>
-            </a:r>
-          </a:p>
-          <a:p>
-            <a:pPr lvl="1"/>
-            <a:r>
-              <a:rPr lang="en-US" dirty="0"/>
-              <a:t>Recurrent Autoencoder was able to successfully detect the DAO attack by recreating the input and calculating an outlierness score for the detection of the anomaly</a:t>
-            </a:r>
-          </a:p>
-          <a:p>
-            <a:r>
-              <a:rPr lang="en-US" dirty="0"/>
-              <a:t>51% Attack:</a:t>
-            </a:r>
-          </a:p>
-          <a:p>
-            <a:pPr lvl="1"/>
-            <a:r>
-              <a:rPr lang="en-US" dirty="0"/>
-              <a:t>Recurrent Autoencoder was not able to show an anomaly associated with the 51% Attack until several days after the initial attack</a:t>
-            </a:r>
-          </a:p>
-          <a:p>
-            <a:pPr lvl="1"/>
-            <a:r>
-              <a:rPr lang="en-US" dirty="0"/>
-              <a:t>Orphan Blocks are not stored in the protocol but could have provided valuable information</a:t>
-            </a:r>
-          </a:p>
-          <a:p>
-            <a:r>
-              <a:rPr lang="en-US" dirty="0"/>
-              <a:t>Main limitation of the work is that successful blockchain attacks are rare and therefore require an </a:t>
-            </a:r>
-            <a:r>
-              <a:rPr lang="en-US"/>
-              <a:t>unsupervised solution</a:t>
-            </a:r>
-            <a:endParaRPr lang="en-US" dirty="0"/>
-          </a:p>
-        </p:txBody>
-      </p:sp>
-    </p:spTree>
-    <p:extLst>
-      <p:ext uri="{BB962C8B-B14F-4D97-AF65-F5344CB8AC3E}">
-        <p14:creationId xmlns:p14="http://schemas.microsoft.com/office/powerpoint/2010/main" val="1037881289"/>
+        <p14:creationId xmlns:p14="http://schemas.microsoft.com/office/powerpoint/2010/main" val="2407123688"/>
       </p:ext>
     </p:extLst>
   </p:cSld>
@@ -9147,257 +7597,6 @@
 </p:sld>
 </file>
 
-<file path=ppt/slides/slide20.xml><?xml version="1.0" encoding="utf-8"?>
-<p:sld xmlns:a="http://schemas.openxmlformats.org/drawingml/2006/main" xmlns:r="http://schemas.openxmlformats.org/officeDocument/2006/relationships" xmlns:p="http://schemas.openxmlformats.org/presentationml/2006/main">
-  <p:cSld>
-    <p:spTree>
-      <p:nvGrpSpPr>
-        <p:cNvPr id="1" name=""/>
-        <p:cNvGrpSpPr/>
-        <p:nvPr/>
-      </p:nvGrpSpPr>
-      <p:grpSpPr>
-        <a:xfrm>
-          <a:off x="0" y="0"/>
-          <a:ext cx="0" cy="0"/>
-          <a:chOff x="0" y="0"/>
-          <a:chExt cx="0" cy="0"/>
-        </a:xfrm>
-      </p:grpSpPr>
-      <p:sp>
-        <p:nvSpPr>
-          <p:cNvPr id="2" name="Title 1">
-            <a:extLst>
-              <a:ext uri="{FF2B5EF4-FFF2-40B4-BE49-F238E27FC236}">
-                <a16:creationId xmlns:a16="http://schemas.microsoft.com/office/drawing/2014/main" id="{3CA9E063-CF43-4EBF-AA3A-560D5C68C7CF}"/>
-              </a:ext>
-            </a:extLst>
-          </p:cNvPr>
-          <p:cNvSpPr>
-            <a:spLocks noGrp="1"/>
-          </p:cNvSpPr>
-          <p:nvPr>
-            <p:ph type="title"/>
-          </p:nvPr>
-        </p:nvSpPr>
-        <p:spPr/>
-        <p:txBody>
-          <a:bodyPr/>
-          <a:lstStyle/>
-          <a:p>
-            <a:r>
-              <a:rPr lang="en-US" dirty="0"/>
-              <a:t>References	</a:t>
-            </a:r>
-          </a:p>
-        </p:txBody>
-      </p:sp>
-      <p:sp>
-        <p:nvSpPr>
-          <p:cNvPr id="3" name="Content Placeholder 2">
-            <a:extLst>
-              <a:ext uri="{FF2B5EF4-FFF2-40B4-BE49-F238E27FC236}">
-                <a16:creationId xmlns:a16="http://schemas.microsoft.com/office/drawing/2014/main" id="{C33838FF-2102-4BC0-BDAA-1BD775EF972B}"/>
-              </a:ext>
-            </a:extLst>
-          </p:cNvPr>
-          <p:cNvSpPr>
-            <a:spLocks noGrp="1"/>
-          </p:cNvSpPr>
-          <p:nvPr>
-            <p:ph idx="1"/>
-          </p:nvPr>
-        </p:nvSpPr>
-        <p:spPr/>
-        <p:txBody>
-          <a:bodyPr/>
-          <a:lstStyle/>
-          <a:p>
-            <a:r>
-              <a:rPr lang="en-US" dirty="0"/>
-              <a:t>A Deep Learning Approach for Detecting Security Attacks on Blockchain</a:t>
-            </a:r>
-            <a:br>
-              <a:rPr lang="en-US" dirty="0"/>
-            </a:br>
-            <a:r>
-              <a:rPr lang="en-US" sz="1800" dirty="0"/>
-              <a:t>Francesco </a:t>
-            </a:r>
-            <a:r>
-              <a:rPr lang="en-US" sz="1800" dirty="0" err="1"/>
-              <a:t>Scicchitano</a:t>
-            </a:r>
-            <a:r>
-              <a:rPr lang="en-US" sz="1800" dirty="0"/>
-              <a:t>, Angelica Liguori, Massimo </a:t>
-            </a:r>
-            <a:r>
-              <a:rPr lang="en-US" sz="1800" dirty="0" err="1"/>
-              <a:t>Guarascio</a:t>
-            </a:r>
-            <a:r>
-              <a:rPr lang="en-US" sz="1800" dirty="0"/>
-              <a:t>, Ettore Ritacco, Giuseppe Manco, CEUR, Italian Conference on Cyber Security,  February, 2020.</a:t>
-            </a:r>
-          </a:p>
-          <a:p>
-            <a:endParaRPr lang="en-US" dirty="0"/>
-          </a:p>
-          <a:p>
-            <a:r>
-              <a:rPr lang="en-US" dirty="0" err="1"/>
-              <a:t>Github</a:t>
-            </a:r>
-            <a:r>
-              <a:rPr lang="en-US" dirty="0"/>
-              <a:t>: https://</a:t>
-            </a:r>
-            <a:r>
-              <a:rPr lang="en-US" dirty="0" err="1"/>
-              <a:t>github.com</a:t>
-            </a:r>
-            <a:r>
-              <a:rPr lang="en-US" dirty="0"/>
-              <a:t>/</a:t>
-            </a:r>
-            <a:r>
-              <a:rPr lang="en-US" dirty="0" err="1"/>
-              <a:t>Makalfo</a:t>
-            </a:r>
-            <a:r>
-              <a:rPr lang="en-US" dirty="0"/>
-              <a:t>/</a:t>
-            </a:r>
-            <a:r>
-              <a:rPr lang="en-US" dirty="0" err="1"/>
-              <a:t>LSTM_Ethereum_Classic</a:t>
-            </a:r>
-            <a:br>
-              <a:rPr lang="en-US" sz="1800" dirty="0"/>
-            </a:br>
-            <a:endParaRPr lang="en-US" sz="1800" dirty="0"/>
-          </a:p>
-        </p:txBody>
-      </p:sp>
-    </p:spTree>
-    <p:extLst>
-      <p:ext uri="{BB962C8B-B14F-4D97-AF65-F5344CB8AC3E}">
-        <p14:creationId xmlns:p14="http://schemas.microsoft.com/office/powerpoint/2010/main" val="3550040180"/>
-      </p:ext>
-    </p:extLst>
-  </p:cSld>
-  <p:clrMapOvr>
-    <a:masterClrMapping/>
-  </p:clrMapOvr>
-</p:sld>
-</file>
-
-<file path=ppt/slides/slide21.xml><?xml version="1.0" encoding="utf-8"?>
-<p:sld xmlns:a="http://schemas.openxmlformats.org/drawingml/2006/main" xmlns:r="http://schemas.openxmlformats.org/officeDocument/2006/relationships" xmlns:p="http://schemas.openxmlformats.org/presentationml/2006/main">
-  <p:cSld>
-    <p:spTree>
-      <p:nvGrpSpPr>
-        <p:cNvPr id="1" name=""/>
-        <p:cNvGrpSpPr/>
-        <p:nvPr/>
-      </p:nvGrpSpPr>
-      <p:grpSpPr>
-        <a:xfrm>
-          <a:off x="0" y="0"/>
-          <a:ext cx="0" cy="0"/>
-          <a:chOff x="0" y="0"/>
-          <a:chExt cx="0" cy="0"/>
-        </a:xfrm>
-      </p:grpSpPr>
-      <p:sp>
-        <p:nvSpPr>
-          <p:cNvPr id="2" name="Title 1">
-            <a:extLst>
-              <a:ext uri="{FF2B5EF4-FFF2-40B4-BE49-F238E27FC236}">
-                <a16:creationId xmlns:a16="http://schemas.microsoft.com/office/drawing/2014/main" id="{A60948B9-8053-4C3A-85E1-E10E8B63A240}"/>
-              </a:ext>
-            </a:extLst>
-          </p:cNvPr>
-          <p:cNvSpPr>
-            <a:spLocks noGrp="1"/>
-          </p:cNvSpPr>
-          <p:nvPr>
-            <p:ph type="title"/>
-          </p:nvPr>
-        </p:nvSpPr>
-        <p:spPr/>
-        <p:txBody>
-          <a:bodyPr/>
-          <a:lstStyle/>
-          <a:p>
-            <a:r>
-              <a:rPr lang="en-US" dirty="0"/>
-              <a:t>Ethereum </a:t>
-            </a:r>
-          </a:p>
-        </p:txBody>
-      </p:sp>
-      <p:pic>
-        <p:nvPicPr>
-          <p:cNvPr id="1026" name="Picture 2">
-            <a:extLst>
-              <a:ext uri="{FF2B5EF4-FFF2-40B4-BE49-F238E27FC236}">
-                <a16:creationId xmlns:a16="http://schemas.microsoft.com/office/drawing/2014/main" id="{DB0EFA43-0EA4-4145-96F0-91AF6CC6B817}"/>
-              </a:ext>
-            </a:extLst>
-          </p:cNvPr>
-          <p:cNvPicPr>
-            <a:picLocks noChangeAspect="1" noChangeArrowheads="1"/>
-          </p:cNvPicPr>
-          <p:nvPr/>
-        </p:nvPicPr>
-        <p:blipFill>
-          <a:blip r:embed="rId2">
-            <a:extLst>
-              <a:ext uri="{28A0092B-C50C-407E-A947-70E740481C1C}">
-                <a14:useLocalDpi xmlns:a14="http://schemas.microsoft.com/office/drawing/2010/main" val="0"/>
-              </a:ext>
-            </a:extLst>
-          </a:blip>
-          <a:srcRect/>
-          <a:stretch>
-            <a:fillRect/>
-          </a:stretch>
-        </p:blipFill>
-        <p:spPr bwMode="auto">
-          <a:xfrm>
-            <a:off x="1719598" y="1715746"/>
-            <a:ext cx="6828784" cy="4823471"/>
-          </a:xfrm>
-          <a:prstGeom prst="rect">
-            <a:avLst/>
-          </a:prstGeom>
-          <a:noFill/>
-          <a:extLst>
-            <a:ext uri="{909E8E84-426E-40DD-AFC4-6F175D3DCCD1}">
-              <a14:hiddenFill xmlns:a14="http://schemas.microsoft.com/office/drawing/2010/main">
-                <a:solidFill>
-                  <a:srgbClr val="FFFFFF"/>
-                </a:solidFill>
-              </a14:hiddenFill>
-            </a:ext>
-          </a:extLst>
-        </p:spPr>
-      </p:pic>
-    </p:spTree>
-    <p:extLst>
-      <p:ext uri="{BB962C8B-B14F-4D97-AF65-F5344CB8AC3E}">
-        <p14:creationId xmlns:p14="http://schemas.microsoft.com/office/powerpoint/2010/main" val="3175117354"/>
-      </p:ext>
-    </p:extLst>
-  </p:cSld>
-  <p:clrMapOvr>
-    <a:masterClrMapping/>
-  </p:clrMapOvr>
-</p:sld>
-</file>
-
 <file path=ppt/slides/slide3.xml><?xml version="1.0" encoding="utf-8"?>
 <p:sld xmlns:a="http://schemas.openxmlformats.org/drawingml/2006/main" xmlns:r="http://schemas.openxmlformats.org/officeDocument/2006/relationships" xmlns:p="http://schemas.openxmlformats.org/presentationml/2006/main">
   <p:cSld>
@@ -9438,7 +7637,7 @@
           <a:p>
             <a:r>
               <a:rPr lang="en-US" dirty="0"/>
-              <a:t>Introduction and Goal</a:t>
+              <a:t>Background</a:t>
             </a:r>
           </a:p>
         </p:txBody>
@@ -9473,8 +7672,15 @@
           <a:p>
             <a:r>
               <a:rPr lang="en-US" sz="2400" dirty="0"/>
-              <a:t>MNIST Handwritten Digit Recognition Neural Network </a:t>
-            </a:r>
+              <a:t>Common application of Neural Networks include the multi-class classification of the MNIST Handwritten Digital images </a:t>
+            </a:r>
+          </a:p>
+          <a:p>
+            <a:r>
+              <a:rPr lang="en-US" sz="2200" dirty="0"/>
+              <a:t>Dataset of 60,000 28 x 28 grayscale images of digits 0 to 9 </a:t>
+            </a:r>
+            <a:endParaRPr lang="en-US" sz="2400" dirty="0"/>
           </a:p>
         </p:txBody>
       </p:sp>
@@ -9507,7 +7713,7 @@
         </p:blipFill>
         <p:spPr bwMode="auto">
           <a:xfrm>
-            <a:off x="3228271" y="3650483"/>
+            <a:off x="3228271" y="3359410"/>
             <a:ext cx="3299431" cy="2474573"/>
           </a:xfrm>
           <a:prstGeom prst="rect">
@@ -9539,8 +7745,8 @@
         </p:nvSpPr>
         <p:spPr>
           <a:xfrm>
-            <a:off x="2668482" y="3718086"/>
-            <a:ext cx="9297032" cy="369332"/>
+            <a:off x="3121073" y="5940623"/>
+            <a:ext cx="4151265" cy="307777"/>
           </a:xfrm>
           <a:prstGeom prst="rect">
             <a:avLst/>
@@ -9554,40 +7760,18 @@
           <a:lstStyle/>
           <a:p>
             <a:r>
-              <a:rPr lang="en-US" dirty="0"/>
-              <a:t>Reference: MNIST Database of </a:t>
-            </a:r>
-            <a:r>
-              <a:rPr lang="en-US"/>
-              <a:t>Handwritten Digits http</a:t>
-            </a:r>
-            <a:r>
-              <a:rPr lang="en-US" dirty="0"/>
-              <a:t>://</a:t>
-            </a:r>
-            <a:r>
-              <a:rPr lang="en-US" dirty="0" err="1"/>
-              <a:t>yann.lecun.com</a:t>
-            </a:r>
-            <a:r>
-              <a:rPr lang="en-US" dirty="0"/>
-              <a:t>/</a:t>
-            </a:r>
-            <a:r>
-              <a:rPr lang="en-US" dirty="0" err="1"/>
-              <a:t>exdb</a:t>
-            </a:r>
-            <a:r>
-              <a:rPr lang="en-US" dirty="0"/>
-              <a:t>/</a:t>
-            </a:r>
-            <a:r>
-              <a:rPr lang="en-US" dirty="0" err="1"/>
-              <a:t>mnist</a:t>
-            </a:r>
-            <a:r>
-              <a:rPr lang="en-US" dirty="0"/>
-              <a:t>/</a:t>
+              <a:rPr lang="en-US" sz="1400" dirty="0"/>
+              <a:t>Reference: </a:t>
+            </a:r>
+            <a:r>
+              <a:rPr lang="en-US" sz="1400" dirty="0">
+                <a:hlinkClick r:id="rId3"/>
+              </a:rPr>
+              <a:t>http://yann.lecun.com/exdb/mnist/</a:t>
+            </a:r>
+            <a:r>
+              <a:rPr lang="en-US" sz="1400" dirty="0"/>
+              <a:t> </a:t>
             </a:r>
           </a:p>
         </p:txBody>
@@ -9936,7 +8120,7 @@
           <p:cNvPr id="2" name="Title 1">
             <a:extLst>
               <a:ext uri="{FF2B5EF4-FFF2-40B4-BE49-F238E27FC236}">
-                <a16:creationId xmlns:a16="http://schemas.microsoft.com/office/drawing/2014/main" id="{75340040-66E0-7F44-828C-66F521B3BB3E}"/>
+                <a16:creationId xmlns:a16="http://schemas.microsoft.com/office/drawing/2014/main" id="{9D955803-B7B9-427A-B256-2D11049694B9}"/>
               </a:ext>
             </a:extLst>
           </p:cNvPr>
@@ -9956,6 +8140,14 @@
               <a:rPr lang="en-US" dirty="0"/>
               <a:t>Approach - </a:t>
             </a:r>
+            <a:r>
+              <a:rPr lang="en-US" dirty="0" err="1"/>
+              <a:t>SnarkyNet</a:t>
+            </a:r>
+            <a:r>
+              <a:rPr lang="en-US" dirty="0"/>
+              <a:t> Classes</a:t>
+            </a:r>
           </a:p>
         </p:txBody>
       </p:sp>
@@ -9964,7 +8156,7 @@
           <p:cNvPr id="3" name="Content Placeholder 2">
             <a:extLst>
               <a:ext uri="{FF2B5EF4-FFF2-40B4-BE49-F238E27FC236}">
-                <a16:creationId xmlns:a16="http://schemas.microsoft.com/office/drawing/2014/main" id="{04466195-4511-DD4F-AA4B-77F02FBE403D}"/>
+                <a16:creationId xmlns:a16="http://schemas.microsoft.com/office/drawing/2014/main" id="{659C99D8-C9BE-49FD-83A0-034246C22788}"/>
               </a:ext>
             </a:extLst>
           </p:cNvPr>
@@ -9975,19 +8167,118 @@
             <p:ph idx="1"/>
           </p:nvPr>
         </p:nvSpPr>
-        <p:spPr/>
-        <p:txBody>
-          <a:bodyPr/>
-          <a:lstStyle/>
-          <a:p>
-            <a:endParaRPr lang="en-US"/>
+        <p:spPr>
+          <a:xfrm>
+            <a:off x="656221" y="1670646"/>
+            <a:ext cx="9094270" cy="3541714"/>
+          </a:xfrm>
+        </p:spPr>
+        <p:txBody>
+          <a:bodyPr>
+            <a:normAutofit/>
+          </a:bodyPr>
+          <a:lstStyle/>
+          <a:p>
+            <a:r>
+              <a:rPr lang="en-US" sz="2000" dirty="0" err="1"/>
+              <a:t>SnarkyTensor</a:t>
+            </a:r>
+            <a:endParaRPr lang="en-US" sz="2000" dirty="0"/>
+          </a:p>
+          <a:p>
+            <a:pPr lvl="1"/>
+            <a:r>
+              <a:rPr lang="en-US" sz="1800" dirty="0"/>
+              <a:t>Provides tensor manipulation, dot products, and activation functions</a:t>
+            </a:r>
+          </a:p>
+          <a:p>
+            <a:pPr lvl="1"/>
+            <a:r>
+              <a:rPr lang="en-US" sz="1800" dirty="0"/>
+              <a:t>Implements decimal representation for Int65</a:t>
+            </a:r>
+          </a:p>
+          <a:p>
+            <a:r>
+              <a:rPr lang="en-US" sz="2000" dirty="0" err="1"/>
+              <a:t>SnarkyLayer</a:t>
+            </a:r>
+            <a:r>
+              <a:rPr lang="en-US" sz="2000" dirty="0"/>
+              <a:t> (Extends </a:t>
+            </a:r>
+            <a:r>
+              <a:rPr lang="en-US" sz="2000" dirty="0" err="1"/>
+              <a:t>SnarkyTensor</a:t>
+            </a:r>
+            <a:r>
+              <a:rPr lang="en-US" sz="2000" dirty="0"/>
+              <a:t>)</a:t>
+            </a:r>
+          </a:p>
+          <a:p>
+            <a:pPr lvl="1"/>
+            <a:r>
+              <a:rPr lang="en-US" sz="1800" dirty="0"/>
+              <a:t>Emulates Neural Network layer for handling the dot products and activation function</a:t>
+            </a:r>
+          </a:p>
+          <a:p>
+            <a:pPr marL="400050"/>
+            <a:r>
+              <a:rPr lang="en-US" sz="2000" dirty="0" err="1"/>
+              <a:t>SnarkyNet</a:t>
+            </a:r>
+            <a:r>
+              <a:rPr lang="en-US" sz="2000" dirty="0"/>
+              <a:t> (Extends </a:t>
+            </a:r>
+            <a:r>
+              <a:rPr lang="en-US" sz="2000" dirty="0" err="1"/>
+              <a:t>SnarkyTensor</a:t>
+            </a:r>
+            <a:r>
+              <a:rPr lang="en-US" sz="2000" dirty="0"/>
+              <a:t>)</a:t>
+            </a:r>
+          </a:p>
+          <a:p>
+            <a:pPr marL="800100" lvl="1"/>
+            <a:r>
+              <a:rPr lang="en-US" sz="1800" dirty="0"/>
+              <a:t>Utilizes </a:t>
+            </a:r>
+            <a:r>
+              <a:rPr lang="en-US" sz="1800" dirty="0" err="1"/>
+              <a:t>SnarkyLayers</a:t>
+            </a:r>
+            <a:r>
+              <a:rPr lang="en-US" sz="1800" dirty="0"/>
+              <a:t> and performs prediction on the input image</a:t>
+            </a:r>
+          </a:p>
+          <a:p>
+            <a:pPr marL="457200" lvl="1" indent="0">
+              <a:buNone/>
+            </a:pPr>
+            <a:endParaRPr lang="en-US" sz="1800" dirty="0"/>
+          </a:p>
+          <a:p>
+            <a:endParaRPr lang="en-US" sz="2000" dirty="0"/>
+          </a:p>
+          <a:p>
+            <a:pPr marL="0" indent="0">
+              <a:buNone/>
+            </a:pPr>
+            <a:endParaRPr lang="en-US" sz="1600" dirty="0"/>
           </a:p>
         </p:txBody>
       </p:sp>
     </p:spTree>
     <p:extLst>
       <p:ext uri="{BB962C8B-B14F-4D97-AF65-F5344CB8AC3E}">
-        <p14:creationId xmlns:p14="http://schemas.microsoft.com/office/powerpoint/2010/main" val="3545822105"/>
+        <p14:creationId xmlns:p14="http://schemas.microsoft.com/office/powerpoint/2010/main" val="2871076743"/>
       </p:ext>
     </p:extLst>
   </p:cSld>
@@ -9998,6 +8289,180 @@
 </file>
 
 <file path=ppt/slides/slide7.xml><?xml version="1.0" encoding="utf-8"?>
+<p:sld xmlns:a="http://schemas.openxmlformats.org/drawingml/2006/main" xmlns:r="http://schemas.openxmlformats.org/officeDocument/2006/relationships" xmlns:p="http://schemas.openxmlformats.org/presentationml/2006/main">
+  <p:cSld>
+    <p:spTree>
+      <p:nvGrpSpPr>
+        <p:cNvPr id="1" name=""/>
+        <p:cNvGrpSpPr/>
+        <p:nvPr/>
+      </p:nvGrpSpPr>
+      <p:grpSpPr>
+        <a:xfrm>
+          <a:off x="0" y="0"/>
+          <a:ext cx="0" cy="0"/>
+          <a:chOff x="0" y="0"/>
+          <a:chExt cx="0" cy="0"/>
+        </a:xfrm>
+      </p:grpSpPr>
+      <p:sp>
+        <p:nvSpPr>
+          <p:cNvPr id="2" name="Title 1">
+            <a:extLst>
+              <a:ext uri="{FF2B5EF4-FFF2-40B4-BE49-F238E27FC236}">
+                <a16:creationId xmlns:a16="http://schemas.microsoft.com/office/drawing/2014/main" id="{9D955803-B7B9-427A-B256-2D11049694B9}"/>
+              </a:ext>
+            </a:extLst>
+          </p:cNvPr>
+          <p:cNvSpPr>
+            <a:spLocks noGrp="1"/>
+          </p:cNvSpPr>
+          <p:nvPr>
+            <p:ph type="title"/>
+          </p:nvPr>
+        </p:nvSpPr>
+        <p:spPr/>
+        <p:txBody>
+          <a:bodyPr/>
+          <a:lstStyle/>
+          <a:p>
+            <a:r>
+              <a:rPr lang="en-US" dirty="0"/>
+              <a:t>Approach - Neural Network </a:t>
+            </a:r>
+          </a:p>
+        </p:txBody>
+      </p:sp>
+      <p:sp>
+        <p:nvSpPr>
+          <p:cNvPr id="3" name="Content Placeholder 2">
+            <a:extLst>
+              <a:ext uri="{FF2B5EF4-FFF2-40B4-BE49-F238E27FC236}">
+                <a16:creationId xmlns:a16="http://schemas.microsoft.com/office/drawing/2014/main" id="{659C99D8-C9BE-49FD-83A0-034246C22788}"/>
+              </a:ext>
+            </a:extLst>
+          </p:cNvPr>
+          <p:cNvSpPr>
+            <a:spLocks noGrp="1"/>
+          </p:cNvSpPr>
+          <p:nvPr>
+            <p:ph idx="1"/>
+          </p:nvPr>
+        </p:nvSpPr>
+        <p:spPr>
+          <a:xfrm>
+            <a:off x="677333" y="1735494"/>
+            <a:ext cx="9306421" cy="4758611"/>
+          </a:xfrm>
+        </p:spPr>
+        <p:txBody>
+          <a:bodyPr>
+            <a:normAutofit/>
+          </a:bodyPr>
+          <a:lstStyle/>
+          <a:p>
+            <a:r>
+              <a:rPr lang="en-US" sz="2400" dirty="0"/>
+              <a:t>Neural Network Design: </a:t>
+            </a:r>
+          </a:p>
+          <a:p>
+            <a:pPr lvl="1"/>
+            <a:r>
+              <a:rPr lang="en-US" sz="2200" dirty="0"/>
+              <a:t>Input layer of 784 x 1</a:t>
+            </a:r>
+          </a:p>
+          <a:p>
+            <a:pPr lvl="2"/>
+            <a:r>
+              <a:rPr lang="en-US" sz="2000" dirty="0"/>
+              <a:t>Converted from the 28 x 28 image to a 784 x 1 vector</a:t>
+            </a:r>
+          </a:p>
+          <a:p>
+            <a:pPr lvl="1"/>
+            <a:r>
+              <a:rPr lang="en-US" sz="2200" dirty="0"/>
+              <a:t>Hidden layer 1: 128 with </a:t>
+            </a:r>
+            <a:r>
+              <a:rPr lang="en-US" sz="2200" dirty="0" err="1"/>
+              <a:t>RelU</a:t>
+            </a:r>
+            <a:r>
+              <a:rPr lang="en-US" sz="2200" dirty="0"/>
+              <a:t> activation function</a:t>
+            </a:r>
+            <a:endParaRPr lang="en-US" sz="2000" dirty="0"/>
+          </a:p>
+          <a:p>
+            <a:pPr lvl="1"/>
+            <a:r>
+              <a:rPr lang="en-US" sz="2200" dirty="0"/>
+              <a:t>Classification layer: 10 with </a:t>
+            </a:r>
+            <a:r>
+              <a:rPr lang="en-US" sz="2200" dirty="0" err="1"/>
+              <a:t>Softmax</a:t>
+            </a:r>
+            <a:r>
+              <a:rPr lang="en-US" sz="2200" dirty="0"/>
+              <a:t> activation function</a:t>
+            </a:r>
+          </a:p>
+          <a:p>
+            <a:r>
+              <a:rPr lang="en-US" sz="2400" dirty="0"/>
+              <a:t>Train Model over 100 epochs in Python</a:t>
+            </a:r>
+          </a:p>
+        </p:txBody>
+      </p:sp>
+      <p:pic>
+        <p:nvPicPr>
+          <p:cNvPr id="6" name="Picture 5">
+            <a:extLst>
+              <a:ext uri="{FF2B5EF4-FFF2-40B4-BE49-F238E27FC236}">
+                <a16:creationId xmlns:a16="http://schemas.microsoft.com/office/drawing/2014/main" id="{A9CF5860-26D1-0444-945A-66A14AFFC61C}"/>
+              </a:ext>
+            </a:extLst>
+          </p:cNvPr>
+          <p:cNvPicPr>
+            <a:picLocks noChangeAspect="1"/>
+          </p:cNvPicPr>
+          <p:nvPr/>
+        </p:nvPicPr>
+        <p:blipFill>
+          <a:blip r:embed="rId2"/>
+          <a:stretch>
+            <a:fillRect/>
+          </a:stretch>
+        </p:blipFill>
+        <p:spPr>
+          <a:xfrm>
+            <a:off x="2575368" y="4670737"/>
+            <a:ext cx="4800600" cy="1079500"/>
+          </a:xfrm>
+          <a:prstGeom prst="rect">
+            <a:avLst/>
+          </a:prstGeom>
+        </p:spPr>
+      </p:pic>
+    </p:spTree>
+    <p:extLst>
+      <p:ext uri="{BB962C8B-B14F-4D97-AF65-F5344CB8AC3E}">
+        <p14:creationId xmlns:p14="http://schemas.microsoft.com/office/powerpoint/2010/main" val="693939738"/>
+      </p:ext>
+    </p:extLst>
+  </p:cSld>
+  <p:clrMapOvr>
+    <a:masterClrMapping/>
+  </p:clrMapOvr>
+</p:sld>
+</file>
+
+<file path=ppt/slides/slide8.xml><?xml version="1.0" encoding="utf-8"?>
 <p:sld xmlns:a="http://schemas.openxmlformats.org/drawingml/2006/main" xmlns:r="http://schemas.openxmlformats.org/officeDocument/2006/relationships" xmlns:p="http://schemas.openxmlformats.org/presentationml/2006/main">
   <p:cSld>
     <p:spTree>
@@ -10309,176 +8774,6 @@
 </p:sld>
 </file>
 
-<file path=ppt/slides/slide8.xml><?xml version="1.0" encoding="utf-8"?>
-<p:sld xmlns:a="http://schemas.openxmlformats.org/drawingml/2006/main" xmlns:r="http://schemas.openxmlformats.org/officeDocument/2006/relationships" xmlns:p="http://schemas.openxmlformats.org/presentationml/2006/main">
-  <p:cSld>
-    <p:spTree>
-      <p:nvGrpSpPr>
-        <p:cNvPr id="1" name=""/>
-        <p:cNvGrpSpPr/>
-        <p:nvPr/>
-      </p:nvGrpSpPr>
-      <p:grpSpPr>
-        <a:xfrm>
-          <a:off x="0" y="0"/>
-          <a:ext cx="0" cy="0"/>
-          <a:chOff x="0" y="0"/>
-          <a:chExt cx="0" cy="0"/>
-        </a:xfrm>
-      </p:grpSpPr>
-      <p:sp>
-        <p:nvSpPr>
-          <p:cNvPr id="2" name="Title 1">
-            <a:extLst>
-              <a:ext uri="{FF2B5EF4-FFF2-40B4-BE49-F238E27FC236}">
-                <a16:creationId xmlns:a16="http://schemas.microsoft.com/office/drawing/2014/main" id="{9D955803-B7B9-427A-B256-2D11049694B9}"/>
-              </a:ext>
-            </a:extLst>
-          </p:cNvPr>
-          <p:cNvSpPr>
-            <a:spLocks noGrp="1"/>
-          </p:cNvSpPr>
-          <p:nvPr>
-            <p:ph type="title"/>
-          </p:nvPr>
-        </p:nvSpPr>
-        <p:spPr/>
-        <p:txBody>
-          <a:bodyPr>
-            <a:normAutofit/>
-          </a:bodyPr>
-          <a:lstStyle/>
-          <a:p>
-            <a:r>
-              <a:rPr lang="en-US" sz="3200" dirty="0"/>
-              <a:t>Pros and Cons of the Blockchain</a:t>
-            </a:r>
-          </a:p>
-        </p:txBody>
-      </p:sp>
-      <p:sp>
-        <p:nvSpPr>
-          <p:cNvPr id="3" name="Content Placeholder 2">
-            <a:extLst>
-              <a:ext uri="{FF2B5EF4-FFF2-40B4-BE49-F238E27FC236}">
-                <a16:creationId xmlns:a16="http://schemas.microsoft.com/office/drawing/2014/main" id="{659C99D8-C9BE-49FD-83A0-034246C22788}"/>
-              </a:ext>
-            </a:extLst>
-          </p:cNvPr>
-          <p:cNvSpPr>
-            <a:spLocks noGrp="1"/>
-          </p:cNvSpPr>
-          <p:nvPr>
-            <p:ph idx="1"/>
-          </p:nvPr>
-        </p:nvSpPr>
-        <p:spPr>
-          <a:xfrm>
-            <a:off x="677334" y="1562063"/>
-            <a:ext cx="9905999" cy="4376057"/>
-          </a:xfrm>
-        </p:spPr>
-        <p:txBody>
-          <a:bodyPr>
-            <a:noAutofit/>
-          </a:bodyPr>
-          <a:lstStyle/>
-          <a:p>
-            <a:r>
-              <a:rPr lang="en-US" sz="2000" dirty="0"/>
-              <a:t>Advantages</a:t>
-            </a:r>
-          </a:p>
-          <a:p>
-            <a:pPr lvl="1"/>
-            <a:r>
-              <a:rPr lang="en-US" sz="2000" dirty="0"/>
-              <a:t>Immutable</a:t>
-            </a:r>
-          </a:p>
-          <a:p>
-            <a:pPr lvl="1"/>
-            <a:r>
-              <a:rPr lang="en-US" sz="2000" dirty="0"/>
-              <a:t>All transactions and history are publicly available</a:t>
-            </a:r>
-          </a:p>
-          <a:p>
-            <a:pPr lvl="1"/>
-            <a:r>
-              <a:rPr lang="en-US" sz="2000" dirty="0"/>
-              <a:t>Large amounts of data</a:t>
-            </a:r>
-          </a:p>
-          <a:p>
-            <a:pPr lvl="1"/>
-            <a:r>
-              <a:rPr lang="en-US" sz="2000" dirty="0"/>
-              <a:t>Transparent</a:t>
-            </a:r>
-          </a:p>
-          <a:p>
-            <a:r>
-              <a:rPr lang="en-US" sz="2000" dirty="0"/>
-              <a:t>Disadvantages</a:t>
-            </a:r>
-          </a:p>
-          <a:p>
-            <a:pPr lvl="1"/>
-            <a:r>
-              <a:rPr lang="en-US" sz="2000" dirty="0"/>
-              <a:t>Successful attacks are very rare events and do not share common patterns</a:t>
-            </a:r>
-          </a:p>
-          <a:p>
-            <a:pPr lvl="2"/>
-            <a:r>
-              <a:rPr lang="en-US" sz="2000" dirty="0"/>
-              <a:t>Data is unsupervised due to the lack of labeled data</a:t>
-            </a:r>
-          </a:p>
-          <a:p>
-            <a:pPr lvl="1"/>
-            <a:r>
-              <a:rPr lang="en-US" sz="2000" dirty="0"/>
-              <a:t>Prone to seasonal, cyclic and trending fluctuations in the data</a:t>
-            </a:r>
-          </a:p>
-          <a:p>
-            <a:pPr lvl="1"/>
-            <a:r>
-              <a:rPr lang="en-US" sz="2000" dirty="0"/>
-              <a:t>Pseudo-anonymous</a:t>
-            </a:r>
-          </a:p>
-          <a:p>
-            <a:pPr lvl="1"/>
-            <a:r>
-              <a:rPr lang="en-US" sz="2000" dirty="0"/>
-              <a:t>Orphan blocks are not stored</a:t>
-            </a:r>
-          </a:p>
-          <a:p>
-            <a:pPr marL="0" indent="0">
-              <a:buNone/>
-            </a:pPr>
-            <a:endParaRPr lang="en-US" sz="2000" dirty="0"/>
-          </a:p>
-        </p:txBody>
-      </p:sp>
-    </p:spTree>
-    <p:extLst>
-      <p:ext uri="{BB962C8B-B14F-4D97-AF65-F5344CB8AC3E}">
-        <p14:creationId xmlns:p14="http://schemas.microsoft.com/office/powerpoint/2010/main" val="4143878065"/>
-      </p:ext>
-    </p:extLst>
-  </p:cSld>
-  <p:clrMapOvr>
-    <a:masterClrMapping/>
-  </p:clrMapOvr>
-</p:sld>
-</file>
-
 <file path=ppt/slides/slide9.xml><?xml version="1.0" encoding="utf-8"?>
 <p:sld xmlns:a="http://schemas.openxmlformats.org/drawingml/2006/main" xmlns:r="http://schemas.openxmlformats.org/officeDocument/2006/relationships" xmlns:p="http://schemas.openxmlformats.org/presentationml/2006/main">
   <p:cSld>
@@ -10501,7 +8796,7 @@
           <p:cNvPr id="2" name="Title 1">
             <a:extLst>
               <a:ext uri="{FF2B5EF4-FFF2-40B4-BE49-F238E27FC236}">
-                <a16:creationId xmlns:a16="http://schemas.microsoft.com/office/drawing/2014/main" id="{28F41133-18D4-4133-BC2E-D15BE1FBBAF2}"/>
+                <a16:creationId xmlns:a16="http://schemas.microsoft.com/office/drawing/2014/main" id="{8509DFF7-742A-CC47-816D-D1F68F716D06}"/>
               </a:ext>
             </a:extLst>
           </p:cNvPr>
@@ -10518,8 +8813,12 @@
           <a:lstStyle/>
           <a:p>
             <a:r>
+              <a:rPr lang="en-US" dirty="0" err="1"/>
+              <a:t>SnarkyNet</a:t>
+            </a:r>
+            <a:r>
               <a:rPr lang="en-US" dirty="0"/>
-              <a:t>Technical Approach</a:t>
+              <a:t> for Prediction</a:t>
             </a:r>
           </a:p>
         </p:txBody>
@@ -10529,7 +8828,7 @@
           <p:cNvPr id="3" name="Content Placeholder 2">
             <a:extLst>
               <a:ext uri="{FF2B5EF4-FFF2-40B4-BE49-F238E27FC236}">
-                <a16:creationId xmlns:a16="http://schemas.microsoft.com/office/drawing/2014/main" id="{B4A3F2E0-C72D-4E3A-B7EB-C9783FAF5B9C}"/>
+                <a16:creationId xmlns:a16="http://schemas.microsoft.com/office/drawing/2014/main" id="{34E26F6E-94F3-2848-A7B8-0C319ABA2FCA}"/>
               </a:ext>
             </a:extLst>
           </p:cNvPr>
@@ -10542,8 +8841,8 @@
         </p:nvSpPr>
         <p:spPr>
           <a:xfrm>
-            <a:off x="677334" y="1838131"/>
-            <a:ext cx="8596668" cy="4203231"/>
+            <a:off x="677334" y="1586803"/>
+            <a:ext cx="8596668" cy="4454560"/>
           </a:xfrm>
         </p:spPr>
         <p:txBody>
@@ -10553,25 +8852,50 @@
           <a:lstStyle/>
           <a:p>
             <a:r>
-              <a:rPr lang="en-US" sz="2400" dirty="0"/>
-              <a:t>Recurrent Autoencoder model to exploit the information collected by the activities within a blockchain</a:t>
-            </a:r>
-          </a:p>
-          <a:p>
-            <a:pPr lvl="1"/>
-            <a:r>
               <a:rPr lang="en-US" sz="2000" dirty="0"/>
-              <a:t>Highlight anomalies in the underlying network activity that can represent a potential symptom of a forthcoming or current attack on the system</a:t>
-            </a:r>
+              <a:t>Calling the </a:t>
+            </a:r>
+            <a:r>
+              <a:rPr lang="en-US" sz="2000" dirty="0" err="1"/>
+              <a:t>SnarkyNet</a:t>
+            </a:r>
+            <a:r>
+              <a:rPr lang="en-US" sz="2000" dirty="0"/>
+              <a:t> for Prediction on an Image</a:t>
+            </a:r>
+          </a:p>
+          <a:p>
+            <a:pPr marL="0" indent="0">
+              <a:buNone/>
+            </a:pPr>
+            <a:r>
+              <a:rPr lang="en-US" sz="2000" dirty="0">
+                <a:latin typeface="Courier New" panose="02070309020205020404" pitchFamily="49" charset="0"/>
+                <a:cs typeface="Courier New" panose="02070309020205020404" pitchFamily="49" charset="0"/>
+              </a:rPr>
+              <a:t>	</a:t>
+            </a:r>
+          </a:p>
+          <a:p>
+            <a:endParaRPr lang="en-US" sz="2000" dirty="0">
+              <a:latin typeface="Courier New" panose="02070309020205020404" pitchFamily="49" charset="0"/>
+              <a:cs typeface="Courier New" panose="02070309020205020404" pitchFamily="49" charset="0"/>
+            </a:endParaRPr>
+          </a:p>
+          <a:p>
+            <a:pPr marL="0" indent="0">
+              <a:buNone/>
+            </a:pPr>
+            <a:endParaRPr lang="en-US" sz="2000" dirty="0"/>
           </a:p>
         </p:txBody>
       </p:sp>
       <p:pic>
         <p:nvPicPr>
-          <p:cNvPr id="6" name="Picture 5">
+          <p:cNvPr id="9" name="Picture 8">
             <a:extLst>
               <a:ext uri="{FF2B5EF4-FFF2-40B4-BE49-F238E27FC236}">
-                <a16:creationId xmlns:a16="http://schemas.microsoft.com/office/drawing/2014/main" id="{1ED33F8A-8DC1-447A-BAE4-C4832CAF1A04}"/>
+                <a16:creationId xmlns:a16="http://schemas.microsoft.com/office/drawing/2014/main" id="{8862204E-8CD8-6B4C-B949-F2853E0E440E}"/>
               </a:ext>
             </a:extLst>
           </p:cNvPr>
@@ -10580,15 +8904,16 @@
           </p:cNvPicPr>
           <p:nvPr/>
         </p:nvPicPr>
-        <p:blipFill rotWithShape="1">
+        <p:blipFill>
           <a:blip r:embed="rId2"/>
-          <a:srcRect b="13444"/>
-          <a:stretch/>
+          <a:stretch>
+            <a:fillRect/>
+          </a:stretch>
         </p:blipFill>
         <p:spPr>
           <a:xfrm>
-            <a:off x="2828953" y="3960977"/>
-            <a:ext cx="4293429" cy="1760315"/>
+            <a:off x="1006918" y="2254250"/>
+            <a:ext cx="7937500" cy="2349500"/>
           </a:xfrm>
           <a:prstGeom prst="rect">
             <a:avLst/>
@@ -10598,7 +8923,7 @@
     </p:spTree>
     <p:extLst>
       <p:ext uri="{BB962C8B-B14F-4D97-AF65-F5344CB8AC3E}">
-        <p14:creationId xmlns:p14="http://schemas.microsoft.com/office/powerpoint/2010/main" val="2532918967"/>
+        <p14:creationId xmlns:p14="http://schemas.microsoft.com/office/powerpoint/2010/main" val="3225980470"/>
       </p:ext>
     </p:extLst>
   </p:cSld>
